--- a/esi/aula18/atividades/Modelo de apresentação(1).pptx
+++ b/esi/aula18/atividades/Modelo de apresentação(1).pptx
@@ -5,7 +5,7 @@
     <p:sldMasterId id="2147483648" r:id="rId1"/>
   </p:sldMasterIdLst>
   <p:notesMasterIdLst>
-    <p:notesMasterId r:id="rId13"/>
+    <p:notesMasterId r:id="rId16"/>
   </p:notesMasterIdLst>
   <p:sldIdLst>
     <p:sldId id="256" r:id="rId2"/>
@@ -13,12 +13,15 @@
     <p:sldId id="265" r:id="rId4"/>
     <p:sldId id="258" r:id="rId5"/>
     <p:sldId id="259" r:id="rId6"/>
-    <p:sldId id="261" r:id="rId7"/>
-    <p:sldId id="266" r:id="rId8"/>
-    <p:sldId id="262" r:id="rId9"/>
-    <p:sldId id="267" r:id="rId10"/>
-    <p:sldId id="268" r:id="rId11"/>
-    <p:sldId id="264" r:id="rId12"/>
+    <p:sldId id="271" r:id="rId7"/>
+    <p:sldId id="261" r:id="rId8"/>
+    <p:sldId id="266" r:id="rId9"/>
+    <p:sldId id="270" r:id="rId10"/>
+    <p:sldId id="269" r:id="rId11"/>
+    <p:sldId id="262" r:id="rId12"/>
+    <p:sldId id="267" r:id="rId13"/>
+    <p:sldId id="268" r:id="rId14"/>
+    <p:sldId id="272" r:id="rId15"/>
   </p:sldIdLst>
   <p:sldSz cx="9144000" cy="6858000" type="screen4x3"/>
   <p:notesSz cx="6858000" cy="9144000"/>
@@ -253,7 +256,7 @@
   </p:defaultTextStyle>
   <p:extLst>
     <p:ext uri="{EFAFB233-063F-42B5-8137-9DF3F51BA10A}">
-      <p15:sldGuideLst xmlns:ahyp="http://schemas.microsoft.com/office/drawing/2018/hyperlinkcolor" xmlns:p15="http://schemas.microsoft.com/office/powerpoint/2012/main" xmlns:p14="http://schemas.microsoft.com/office/powerpoint/2010/main" xmlns:com="http://schemas.openxmlformats.org/drawingml/2006/compatibility" xmlns:pvml="urn:schemas-microsoft-com:office:powerpoint" xmlns:v="urn:schemas-microsoft-com:vml" xmlns:o="urn:schemas-microsoft-com:office:office" xmlns:dgm="http://schemas.openxmlformats.org/drawingml/2006/diagram" xmlns:c="http://schemas.openxmlformats.org/drawingml/2006/chart" xmlns:mv="urn:schemas-microsoft-com:mac:vml" xmlns:mc="http://schemas.openxmlformats.org/markup-compatibility/2006" xmlns="">
+      <p15:sldGuideLst xmlns:p15="http://schemas.microsoft.com/office/powerpoint/2012/main">
         <p15:guide id="1" orient="horz" pos="2160">
           <p15:clr>
             <a:srgbClr val="A4A3A4"/>
@@ -267,7 +270,7 @@
       </p15:sldGuideLst>
     </p:ext>
     <p:ext uri="{2D200454-40CA-4A62-9FC3-DE9A4176ACB9}">
-      <p15:notesGuideLst xmlns:ahyp="http://schemas.microsoft.com/office/drawing/2018/hyperlinkcolor" xmlns:p15="http://schemas.microsoft.com/office/powerpoint/2012/main" xmlns:p14="http://schemas.microsoft.com/office/powerpoint/2010/main" xmlns:com="http://schemas.openxmlformats.org/drawingml/2006/compatibility" xmlns:pvml="urn:schemas-microsoft-com:office:powerpoint" xmlns:v="urn:schemas-microsoft-com:vml" xmlns:o="urn:schemas-microsoft-com:office:office" xmlns:dgm="http://schemas.openxmlformats.org/drawingml/2006/diagram" xmlns:c="http://schemas.openxmlformats.org/drawingml/2006/chart" xmlns:mv="urn:schemas-microsoft-com:mac:vml" xmlns:mc="http://schemas.openxmlformats.org/markup-compatibility/2006" xmlns="">
+      <p15:notesGuideLst xmlns:p15="http://schemas.microsoft.com/office/powerpoint/2012/main">
         <p15:guide id="1" orient="horz" pos="2880">
           <p15:clr>
             <a:srgbClr val="A4A3A4"/>
@@ -281,7 +284,7 @@
       </p15:notesGuideLst>
     </p:ext>
     <p:ext uri="GoogleSlidesCustomDataVersion2">
-      <go:slidesCustomData xmlns:go="http://customooxmlschemas.google.com/" xmlns:ahyp="http://schemas.microsoft.com/office/drawing/2018/hyperlinkcolor" xmlns:p15="http://schemas.microsoft.com/office/powerpoint/2012/main" xmlns:p14="http://schemas.microsoft.com/office/powerpoint/2010/main" xmlns:com="http://schemas.openxmlformats.org/drawingml/2006/compatibility" xmlns:pvml="urn:schemas-microsoft-com:office:powerpoint" xmlns:v="urn:schemas-microsoft-com:vml" xmlns:o="urn:schemas-microsoft-com:office:office" xmlns:dgm="http://schemas.openxmlformats.org/drawingml/2006/diagram" xmlns:c="http://schemas.openxmlformats.org/drawingml/2006/chart" xmlns:mv="urn:schemas-microsoft-com:mac:vml" xmlns:mc="http://schemas.openxmlformats.org/markup-compatibility/2006" xmlns="" r:id="rId15" roundtripDataSignature="AMtx7mhOeVnw7EHFy7HMvZVSiat2c4n7WA=="/>
+      <go:slidesCustomData xmlns="" xmlns:mc="http://schemas.openxmlformats.org/markup-compatibility/2006" xmlns:mv="urn:schemas-microsoft-com:mac:vml" xmlns:c="http://schemas.openxmlformats.org/drawingml/2006/chart" xmlns:dgm="http://schemas.openxmlformats.org/drawingml/2006/diagram" xmlns:o="urn:schemas-microsoft-com:office:office" xmlns:v="urn:schemas-microsoft-com:vml" xmlns:pvml="urn:schemas-microsoft-com:office:powerpoint" xmlns:com="http://schemas.openxmlformats.org/drawingml/2006/compatibility" xmlns:p14="http://schemas.microsoft.com/office/powerpoint/2010/main" xmlns:p15="http://schemas.microsoft.com/office/powerpoint/2012/main" xmlns:ahyp="http://schemas.microsoft.com/office/drawing/2018/hyperlinkcolor" xmlns:go="http://customooxmlschemas.google.com/" r:id="rId17" roundtripDataSignature="AMtx7mhOeVnw7EHFy7HMvZVSiat2c4n7WA=="/>
     </p:ext>
   </p:extLst>
 </p:presentation>
@@ -1508,7 +1511,7 @@
                 <a:buFont typeface="Arial"/>
                 <a:buNone/>
               </a:pPr>
-              <a:t>‹nº›</a:t>
+              <a:t>‹#›</a:t>
             </a:fld>
             <a:endParaRPr sz="1200" b="0" i="0" u="none" strike="noStrike" cap="none">
               <a:solidFill>
@@ -1884,7 +1887,7 @@
   <p:cSld>
     <p:spTree>
       <p:nvGrpSpPr>
-        <p:cNvPr id="1" name="Shape 141"/>
+        <p:cNvPr id="1" name="Shape 134"/>
         <p:cNvGrpSpPr/>
         <p:nvPr/>
       </p:nvGrpSpPr>
@@ -1898,7 +1901,58 @@
       </p:grpSpPr>
       <p:sp>
         <p:nvSpPr>
-          <p:cNvPr id="142" name="Google Shape;142;g2d4445bff6b_0_6:notes"/>
+          <p:cNvPr id="135" name="Google Shape;135;g2d4445bff6b_0_29:notes"/>
+          <p:cNvSpPr>
+            <a:spLocks noGrp="1" noRot="1" noChangeAspect="1"/>
+          </p:cNvSpPr>
+          <p:nvPr>
+            <p:ph type="sldImg" idx="2"/>
+          </p:nvPr>
+        </p:nvSpPr>
+        <p:spPr>
+          <a:xfrm>
+            <a:off x="1143000" y="685800"/>
+            <a:ext cx="4572000" cy="3429000"/>
+          </a:xfrm>
+          <a:custGeom>
+            <a:avLst/>
+            <a:gdLst/>
+            <a:ahLst/>
+            <a:cxnLst/>
+            <a:rect l="l" t="t" r="r" b="b"/>
+            <a:pathLst>
+              <a:path w="120000" h="120000" extrusionOk="0">
+                <a:moveTo>
+                  <a:pt x="0" y="0"/>
+                </a:moveTo>
+                <a:lnTo>
+                  <a:pt x="120000" y="0"/>
+                </a:lnTo>
+                <a:lnTo>
+                  <a:pt x="120000" y="120000"/>
+                </a:lnTo>
+                <a:lnTo>
+                  <a:pt x="0" y="120000"/>
+                </a:lnTo>
+                <a:close/>
+              </a:path>
+            </a:pathLst>
+          </a:custGeom>
+          <a:noFill/>
+          <a:ln w="12700" cap="flat" cmpd="sng">
+            <a:solidFill>
+              <a:srgbClr val="000000"/>
+            </a:solidFill>
+            <a:prstDash val="solid"/>
+            <a:round/>
+            <a:headEnd type="none" w="sm" len="sm"/>
+            <a:tailEnd type="none" w="sm" len="sm"/>
+          </a:ln>
+        </p:spPr>
+      </p:sp>
+      <p:sp>
+        <p:nvSpPr>
+          <p:cNvPr id="136" name="Google Shape;136;g2d4445bff6b_0_29:notes"/>
           <p:cNvSpPr txBox="1">
             <a:spLocks noGrp="1"/>
           </p:cNvSpPr>
@@ -1944,7 +1998,167 @@
       </p:sp>
       <p:sp>
         <p:nvSpPr>
-          <p:cNvPr id="143" name="Google Shape;143;g2d4445bff6b_0_6:notes"/>
+          <p:cNvPr id="137" name="Google Shape;137;g2d4445bff6b_0_29:notes"/>
+          <p:cNvSpPr txBox="1">
+            <a:spLocks noGrp="1"/>
+          </p:cNvSpPr>
+          <p:nvPr>
+            <p:ph type="sldNum" idx="12"/>
+          </p:nvPr>
+        </p:nvSpPr>
+        <p:spPr>
+          <a:xfrm>
+            <a:off x="3884613" y="8685213"/>
+            <a:ext cx="2971800" cy="457200"/>
+          </a:xfrm>
+          <a:prstGeom prst="rect">
+            <a:avLst/>
+          </a:prstGeom>
+          <a:noFill/>
+          <a:ln>
+            <a:noFill/>
+          </a:ln>
+        </p:spPr>
+        <p:txBody>
+          <a:bodyPr spcFirstLastPara="1" wrap="square" lIns="91425" tIns="45700" rIns="91425" bIns="45700" anchor="b" anchorCtr="0">
+            <a:noAutofit/>
+          </a:bodyPr>
+          <a:lstStyle/>
+          <a:p>
+            <a:pPr marL="0" lvl="0" indent="0" algn="r" rtl="0">
+              <a:lnSpc>
+                <a:spcPct val="100000"/>
+              </a:lnSpc>
+              <a:spcBef>
+                <a:spcPts val="0"/>
+              </a:spcBef>
+              <a:spcAft>
+                <a:spcPts val="0"/>
+              </a:spcAft>
+              <a:buClr>
+                <a:srgbClr val="000000"/>
+              </a:buClr>
+              <a:buSzPts val="1200"/>
+              <a:buFont typeface="Arial"/>
+              <a:buNone/>
+            </a:pPr>
+            <a:fld id="{00000000-1234-1234-1234-123412341234}" type="slidenum">
+              <a:rPr lang="pt-BR"/>
+              <a:pPr marL="0" lvl="0" indent="0" algn="r" rtl="0">
+                <a:lnSpc>
+                  <a:spcPct val="100000"/>
+                </a:lnSpc>
+                <a:spcBef>
+                  <a:spcPts val="0"/>
+                </a:spcBef>
+                <a:spcAft>
+                  <a:spcPts val="0"/>
+                </a:spcAft>
+                <a:buClr>
+                  <a:srgbClr val="000000"/>
+                </a:buClr>
+                <a:buSzPts val="1200"/>
+                <a:buFont typeface="Arial"/>
+                <a:buNone/>
+              </a:pPr>
+              <a:t>13</a:t>
+            </a:fld>
+            <a:endParaRPr/>
+          </a:p>
+        </p:txBody>
+      </p:sp>
+    </p:spTree>
+  </p:cSld>
+  <p:clrMapOvr>
+    <a:masterClrMapping/>
+  </p:clrMapOvr>
+</p:notes>
+</file>
+
+<file path=ppt/notesSlides/notesSlide11.xml><?xml version="1.0" encoding="utf-8"?>
+<p:notes xmlns:a="http://schemas.openxmlformats.org/drawingml/2006/main" xmlns:r="http://schemas.openxmlformats.org/officeDocument/2006/relationships" xmlns:p="http://schemas.openxmlformats.org/presentationml/2006/main" showMasterSp="0" showMasterPhAnim="0">
+  <p:cSld>
+    <p:spTree>
+      <p:nvGrpSpPr>
+        <p:cNvPr id="1" name="Shape 86">
+          <a:extLst>
+            <a:ext uri="{FF2B5EF4-FFF2-40B4-BE49-F238E27FC236}">
+              <a16:creationId xmlns:a16="http://schemas.microsoft.com/office/drawing/2014/main" id="{6513D878-E88D-1B1E-325D-EE7E6C69D910}"/>
+            </a:ext>
+          </a:extLst>
+        </p:cNvPr>
+        <p:cNvGrpSpPr/>
+        <p:nvPr/>
+      </p:nvGrpSpPr>
+      <p:grpSpPr>
+        <a:xfrm>
+          <a:off x="0" y="0"/>
+          <a:ext cx="0" cy="0"/>
+          <a:chOff x="0" y="0"/>
+          <a:chExt cx="0" cy="0"/>
+        </a:xfrm>
+      </p:grpSpPr>
+      <p:sp>
+        <p:nvSpPr>
+          <p:cNvPr id="87" name="Google Shape;87;p1:notes">
+            <a:extLst>
+              <a:ext uri="{FF2B5EF4-FFF2-40B4-BE49-F238E27FC236}">
+                <a16:creationId xmlns:a16="http://schemas.microsoft.com/office/drawing/2014/main" id="{33B69D02-450E-DEE0-5605-00A104754E69}"/>
+              </a:ext>
+            </a:extLst>
+          </p:cNvPr>
+          <p:cNvSpPr txBox="1">
+            <a:spLocks noGrp="1"/>
+          </p:cNvSpPr>
+          <p:nvPr>
+            <p:ph type="body" idx="1"/>
+          </p:nvPr>
+        </p:nvSpPr>
+        <p:spPr>
+          <a:xfrm>
+            <a:off x="685800" y="4343400"/>
+            <a:ext cx="5486400" cy="4114800"/>
+          </a:xfrm>
+          <a:prstGeom prst="rect">
+            <a:avLst/>
+          </a:prstGeom>
+          <a:noFill/>
+          <a:ln>
+            <a:noFill/>
+          </a:ln>
+        </p:spPr>
+        <p:txBody>
+          <a:bodyPr spcFirstLastPara="1" wrap="square" lIns="91425" tIns="45700" rIns="91425" bIns="45700" anchor="t" anchorCtr="0">
+            <a:noAutofit/>
+          </a:bodyPr>
+          <a:lstStyle/>
+          <a:p>
+            <a:pPr marL="0" lvl="0" indent="0" algn="l" rtl="0">
+              <a:lnSpc>
+                <a:spcPct val="100000"/>
+              </a:lnSpc>
+              <a:spcBef>
+                <a:spcPts val="0"/>
+              </a:spcBef>
+              <a:spcAft>
+                <a:spcPts val="0"/>
+              </a:spcAft>
+              <a:buSzPts val="1400"/>
+              <a:buNone/>
+            </a:pPr>
+            <a:endParaRPr/>
+          </a:p>
+        </p:txBody>
+      </p:sp>
+      <p:sp>
+        <p:nvSpPr>
+          <p:cNvPr id="88" name="Google Shape;88;p1:notes">
+            <a:extLst>
+              <a:ext uri="{FF2B5EF4-FFF2-40B4-BE49-F238E27FC236}">
+                <a16:creationId xmlns:a16="http://schemas.microsoft.com/office/drawing/2014/main" id="{2F0AAEC3-075A-398A-F71B-286CCAF6357C}"/>
+              </a:ext>
+            </a:extLst>
+          </p:cNvPr>
           <p:cNvSpPr>
             <a:spLocks noGrp="1" noRot="1" noChangeAspect="1"/>
           </p:cNvSpPr>
@@ -1994,6 +2208,11 @@
         </p:spPr>
       </p:sp>
     </p:spTree>
+    <p:extLst>
+      <p:ext uri="{BB962C8B-B14F-4D97-AF65-F5344CB8AC3E}">
+        <p14:creationId xmlns:p14="http://schemas.microsoft.com/office/powerpoint/2010/main" val="2289748152"/>
+      </p:ext>
+    </p:extLst>
   </p:cSld>
   <p:clrMapOvr>
     <a:masterClrMapping/>
@@ -2778,6 +2997,228 @@
   <p:cSld>
     <p:spTree>
       <p:nvGrpSpPr>
+        <p:cNvPr id="1" name="Shape 106">
+          <a:extLst>
+            <a:ext uri="{FF2B5EF4-FFF2-40B4-BE49-F238E27FC236}">
+              <a16:creationId xmlns:a16="http://schemas.microsoft.com/office/drawing/2014/main" id="{01D93D2B-A12E-66FF-76D8-521E16E5259B}"/>
+            </a:ext>
+          </a:extLst>
+        </p:cNvPr>
+        <p:cNvGrpSpPr/>
+        <p:nvPr/>
+      </p:nvGrpSpPr>
+      <p:grpSpPr>
+        <a:xfrm>
+          <a:off x="0" y="0"/>
+          <a:ext cx="0" cy="0"/>
+          <a:chOff x="0" y="0"/>
+          <a:chExt cx="0" cy="0"/>
+        </a:xfrm>
+      </p:grpSpPr>
+      <p:sp>
+        <p:nvSpPr>
+          <p:cNvPr id="107" name="Google Shape;107;g2d4445bff6b_0_0:notes">
+            <a:extLst>
+              <a:ext uri="{FF2B5EF4-FFF2-40B4-BE49-F238E27FC236}">
+                <a16:creationId xmlns:a16="http://schemas.microsoft.com/office/drawing/2014/main" id="{1DD5BD4A-D570-F669-7A2B-F1ACF8EE5D60}"/>
+              </a:ext>
+            </a:extLst>
+          </p:cNvPr>
+          <p:cNvSpPr>
+            <a:spLocks noGrp="1" noRot="1" noChangeAspect="1"/>
+          </p:cNvSpPr>
+          <p:nvPr>
+            <p:ph type="sldImg" idx="2"/>
+          </p:nvPr>
+        </p:nvSpPr>
+        <p:spPr>
+          <a:xfrm>
+            <a:off x="1143000" y="685800"/>
+            <a:ext cx="4572000" cy="3429000"/>
+          </a:xfrm>
+          <a:custGeom>
+            <a:avLst/>
+            <a:gdLst/>
+            <a:ahLst/>
+            <a:cxnLst/>
+            <a:rect l="l" t="t" r="r" b="b"/>
+            <a:pathLst>
+              <a:path w="120000" h="120000" extrusionOk="0">
+                <a:moveTo>
+                  <a:pt x="0" y="0"/>
+                </a:moveTo>
+                <a:lnTo>
+                  <a:pt x="120000" y="0"/>
+                </a:lnTo>
+                <a:lnTo>
+                  <a:pt x="120000" y="120000"/>
+                </a:lnTo>
+                <a:lnTo>
+                  <a:pt x="0" y="120000"/>
+                </a:lnTo>
+                <a:close/>
+              </a:path>
+            </a:pathLst>
+          </a:custGeom>
+          <a:noFill/>
+          <a:ln w="12700" cap="flat" cmpd="sng">
+            <a:solidFill>
+              <a:srgbClr val="000000"/>
+            </a:solidFill>
+            <a:prstDash val="solid"/>
+            <a:round/>
+            <a:headEnd type="none" w="sm" len="sm"/>
+            <a:tailEnd type="none" w="sm" len="sm"/>
+          </a:ln>
+        </p:spPr>
+      </p:sp>
+      <p:sp>
+        <p:nvSpPr>
+          <p:cNvPr id="108" name="Google Shape;108;g2d4445bff6b_0_0:notes">
+            <a:extLst>
+              <a:ext uri="{FF2B5EF4-FFF2-40B4-BE49-F238E27FC236}">
+                <a16:creationId xmlns:a16="http://schemas.microsoft.com/office/drawing/2014/main" id="{A1B3F450-92C4-FA06-111E-F33B1B22EF3E}"/>
+              </a:ext>
+            </a:extLst>
+          </p:cNvPr>
+          <p:cNvSpPr txBox="1">
+            <a:spLocks noGrp="1"/>
+          </p:cNvSpPr>
+          <p:nvPr>
+            <p:ph type="body" idx="1"/>
+          </p:nvPr>
+        </p:nvSpPr>
+        <p:spPr>
+          <a:xfrm>
+            <a:off x="685800" y="4343400"/>
+            <a:ext cx="5486400" cy="4114800"/>
+          </a:xfrm>
+          <a:prstGeom prst="rect">
+            <a:avLst/>
+          </a:prstGeom>
+          <a:noFill/>
+          <a:ln>
+            <a:noFill/>
+          </a:ln>
+        </p:spPr>
+        <p:txBody>
+          <a:bodyPr spcFirstLastPara="1" wrap="square" lIns="91425" tIns="45700" rIns="91425" bIns="45700" anchor="t" anchorCtr="0">
+            <a:noAutofit/>
+          </a:bodyPr>
+          <a:lstStyle/>
+          <a:p>
+            <a:pPr marL="0" lvl="0" indent="0" algn="l" rtl="0">
+              <a:lnSpc>
+                <a:spcPct val="100000"/>
+              </a:lnSpc>
+              <a:spcBef>
+                <a:spcPts val="0"/>
+              </a:spcBef>
+              <a:spcAft>
+                <a:spcPts val="0"/>
+              </a:spcAft>
+              <a:buSzPts val="1400"/>
+              <a:buNone/>
+            </a:pPr>
+            <a:endParaRPr/>
+          </a:p>
+        </p:txBody>
+      </p:sp>
+      <p:sp>
+        <p:nvSpPr>
+          <p:cNvPr id="109" name="Google Shape;109;g2d4445bff6b_0_0:notes">
+            <a:extLst>
+              <a:ext uri="{FF2B5EF4-FFF2-40B4-BE49-F238E27FC236}">
+                <a16:creationId xmlns:a16="http://schemas.microsoft.com/office/drawing/2014/main" id="{A9389635-12E1-6BF3-005B-01E085408D41}"/>
+              </a:ext>
+            </a:extLst>
+          </p:cNvPr>
+          <p:cNvSpPr txBox="1">
+            <a:spLocks noGrp="1"/>
+          </p:cNvSpPr>
+          <p:nvPr>
+            <p:ph type="sldNum" idx="12"/>
+          </p:nvPr>
+        </p:nvSpPr>
+        <p:spPr>
+          <a:xfrm>
+            <a:off x="3884613" y="8685213"/>
+            <a:ext cx="2971800" cy="457200"/>
+          </a:xfrm>
+          <a:prstGeom prst="rect">
+            <a:avLst/>
+          </a:prstGeom>
+          <a:noFill/>
+          <a:ln>
+            <a:noFill/>
+          </a:ln>
+        </p:spPr>
+        <p:txBody>
+          <a:bodyPr spcFirstLastPara="1" wrap="square" lIns="91425" tIns="45700" rIns="91425" bIns="45700" anchor="b" anchorCtr="0">
+            <a:noAutofit/>
+          </a:bodyPr>
+          <a:lstStyle/>
+          <a:p>
+            <a:pPr marL="0" lvl="0" indent="0" algn="r" rtl="0">
+              <a:lnSpc>
+                <a:spcPct val="100000"/>
+              </a:lnSpc>
+              <a:spcBef>
+                <a:spcPts val="0"/>
+              </a:spcBef>
+              <a:spcAft>
+                <a:spcPts val="0"/>
+              </a:spcAft>
+              <a:buClr>
+                <a:srgbClr val="000000"/>
+              </a:buClr>
+              <a:buSzPts val="1200"/>
+              <a:buFont typeface="Arial"/>
+              <a:buNone/>
+            </a:pPr>
+            <a:fld id="{00000000-1234-1234-1234-123412341234}" type="slidenum">
+              <a:rPr lang="pt-BR"/>
+              <a:pPr marL="0" lvl="0" indent="0" algn="r" rtl="0">
+                <a:lnSpc>
+                  <a:spcPct val="100000"/>
+                </a:lnSpc>
+                <a:spcBef>
+                  <a:spcPts val="0"/>
+                </a:spcBef>
+                <a:spcAft>
+                  <a:spcPts val="0"/>
+                </a:spcAft>
+                <a:buClr>
+                  <a:srgbClr val="000000"/>
+                </a:buClr>
+                <a:buSzPts val="1200"/>
+                <a:buFont typeface="Arial"/>
+                <a:buNone/>
+              </a:pPr>
+              <a:t>6</a:t>
+            </a:fld>
+            <a:endParaRPr/>
+          </a:p>
+        </p:txBody>
+      </p:sp>
+    </p:spTree>
+    <p:extLst>
+      <p:ext uri="{BB962C8B-B14F-4D97-AF65-F5344CB8AC3E}">
+        <p14:creationId xmlns:p14="http://schemas.microsoft.com/office/powerpoint/2010/main" val="2279184754"/>
+      </p:ext>
+    </p:extLst>
+  </p:cSld>
+  <p:clrMapOvr>
+    <a:masterClrMapping/>
+  </p:clrMapOvr>
+</p:notes>
+</file>
+
+<file path=ppt/notesSlides/notesSlide7.xml><?xml version="1.0" encoding="utf-8"?>
+<p:notes xmlns:a="http://schemas.openxmlformats.org/drawingml/2006/main" xmlns:r="http://schemas.openxmlformats.org/officeDocument/2006/relationships" xmlns:p="http://schemas.openxmlformats.org/presentationml/2006/main" showMasterSp="0" showMasterPhAnim="0">
+  <p:cSld>
+    <p:spTree>
+      <p:nvGrpSpPr>
         <p:cNvPr id="1" name="Shape 120"/>
         <p:cNvGrpSpPr/>
         <p:nvPr/>
@@ -2952,7 +3393,7 @@
                 <a:buFont typeface="Arial"/>
                 <a:buNone/>
               </a:pPr>
-              <a:t>6</a:t>
+              <a:t>7</a:t>
             </a:fld>
             <a:endParaRPr/>
           </a:p>
@@ -2966,7 +3407,7 @@
 </p:notes>
 </file>
 
-<file path=ppt/notesSlides/notesSlide7.xml><?xml version="1.0" encoding="utf-8"?>
+<file path=ppt/notesSlides/notesSlide8.xml><?xml version="1.0" encoding="utf-8"?>
 <p:notes xmlns:a="http://schemas.openxmlformats.org/drawingml/2006/main" xmlns:r="http://schemas.openxmlformats.org/officeDocument/2006/relationships" xmlns:p="http://schemas.openxmlformats.org/presentationml/2006/main" showMasterSp="0" showMasterPhAnim="0">
   <p:cSld>
     <p:spTree>
@@ -3145,7 +3586,7 @@
                 <a:buFont typeface="Arial"/>
                 <a:buNone/>
               </a:pPr>
-              <a:t>8</a:t>
+              <a:t>11</a:t>
             </a:fld>
             <a:endParaRPr/>
           </a:p>
@@ -3159,7 +3600,7 @@
 </p:notes>
 </file>
 
-<file path=ppt/notesSlides/notesSlide8.xml><?xml version="1.0" encoding="utf-8"?>
+<file path=ppt/notesSlides/notesSlide9.xml><?xml version="1.0" encoding="utf-8"?>
 <p:notes xmlns:a="http://schemas.openxmlformats.org/drawingml/2006/main" xmlns:r="http://schemas.openxmlformats.org/officeDocument/2006/relationships" xmlns:p="http://schemas.openxmlformats.org/presentationml/2006/main" showMasterSp="0" showMasterPhAnim="0">
   <p:cSld>
     <p:spTree>
@@ -3281,199 +3722,6 @@
 </p:notes>
 </file>
 
-<file path=ppt/notesSlides/notesSlide9.xml><?xml version="1.0" encoding="utf-8"?>
-<p:notes xmlns:a="http://schemas.openxmlformats.org/drawingml/2006/main" xmlns:r="http://schemas.openxmlformats.org/officeDocument/2006/relationships" xmlns:p="http://schemas.openxmlformats.org/presentationml/2006/main" showMasterSp="0" showMasterPhAnim="0">
-  <p:cSld>
-    <p:spTree>
-      <p:nvGrpSpPr>
-        <p:cNvPr id="1" name="Shape 134"/>
-        <p:cNvGrpSpPr/>
-        <p:nvPr/>
-      </p:nvGrpSpPr>
-      <p:grpSpPr>
-        <a:xfrm>
-          <a:off x="0" y="0"/>
-          <a:ext cx="0" cy="0"/>
-          <a:chOff x="0" y="0"/>
-          <a:chExt cx="0" cy="0"/>
-        </a:xfrm>
-      </p:grpSpPr>
-      <p:sp>
-        <p:nvSpPr>
-          <p:cNvPr id="135" name="Google Shape;135;g2d4445bff6b_0_29:notes"/>
-          <p:cNvSpPr>
-            <a:spLocks noGrp="1" noRot="1" noChangeAspect="1"/>
-          </p:cNvSpPr>
-          <p:nvPr>
-            <p:ph type="sldImg" idx="2"/>
-          </p:nvPr>
-        </p:nvSpPr>
-        <p:spPr>
-          <a:xfrm>
-            <a:off x="1143000" y="685800"/>
-            <a:ext cx="4572000" cy="3429000"/>
-          </a:xfrm>
-          <a:custGeom>
-            <a:avLst/>
-            <a:gdLst/>
-            <a:ahLst/>
-            <a:cxnLst/>
-            <a:rect l="l" t="t" r="r" b="b"/>
-            <a:pathLst>
-              <a:path w="120000" h="120000" extrusionOk="0">
-                <a:moveTo>
-                  <a:pt x="0" y="0"/>
-                </a:moveTo>
-                <a:lnTo>
-                  <a:pt x="120000" y="0"/>
-                </a:lnTo>
-                <a:lnTo>
-                  <a:pt x="120000" y="120000"/>
-                </a:lnTo>
-                <a:lnTo>
-                  <a:pt x="0" y="120000"/>
-                </a:lnTo>
-                <a:close/>
-              </a:path>
-            </a:pathLst>
-          </a:custGeom>
-          <a:noFill/>
-          <a:ln w="12700" cap="flat" cmpd="sng">
-            <a:solidFill>
-              <a:srgbClr val="000000"/>
-            </a:solidFill>
-            <a:prstDash val="solid"/>
-            <a:round/>
-            <a:headEnd type="none" w="sm" len="sm"/>
-            <a:tailEnd type="none" w="sm" len="sm"/>
-          </a:ln>
-        </p:spPr>
-      </p:sp>
-      <p:sp>
-        <p:nvSpPr>
-          <p:cNvPr id="136" name="Google Shape;136;g2d4445bff6b_0_29:notes"/>
-          <p:cNvSpPr txBox="1">
-            <a:spLocks noGrp="1"/>
-          </p:cNvSpPr>
-          <p:nvPr>
-            <p:ph type="body" idx="1"/>
-          </p:nvPr>
-        </p:nvSpPr>
-        <p:spPr>
-          <a:xfrm>
-            <a:off x="685800" y="4343400"/>
-            <a:ext cx="5486400" cy="4114800"/>
-          </a:xfrm>
-          <a:prstGeom prst="rect">
-            <a:avLst/>
-          </a:prstGeom>
-          <a:noFill/>
-          <a:ln>
-            <a:noFill/>
-          </a:ln>
-        </p:spPr>
-        <p:txBody>
-          <a:bodyPr spcFirstLastPara="1" wrap="square" lIns="91425" tIns="45700" rIns="91425" bIns="45700" anchor="t" anchorCtr="0">
-            <a:noAutofit/>
-          </a:bodyPr>
-          <a:lstStyle/>
-          <a:p>
-            <a:pPr marL="0" lvl="0" indent="0" algn="l" rtl="0">
-              <a:lnSpc>
-                <a:spcPct val="100000"/>
-              </a:lnSpc>
-              <a:spcBef>
-                <a:spcPts val="0"/>
-              </a:spcBef>
-              <a:spcAft>
-                <a:spcPts val="0"/>
-              </a:spcAft>
-              <a:buSzPts val="1400"/>
-              <a:buNone/>
-            </a:pPr>
-            <a:endParaRPr/>
-          </a:p>
-        </p:txBody>
-      </p:sp>
-      <p:sp>
-        <p:nvSpPr>
-          <p:cNvPr id="137" name="Google Shape;137;g2d4445bff6b_0_29:notes"/>
-          <p:cNvSpPr txBox="1">
-            <a:spLocks noGrp="1"/>
-          </p:cNvSpPr>
-          <p:nvPr>
-            <p:ph type="sldNum" idx="12"/>
-          </p:nvPr>
-        </p:nvSpPr>
-        <p:spPr>
-          <a:xfrm>
-            <a:off x="3884613" y="8685213"/>
-            <a:ext cx="2971800" cy="457200"/>
-          </a:xfrm>
-          <a:prstGeom prst="rect">
-            <a:avLst/>
-          </a:prstGeom>
-          <a:noFill/>
-          <a:ln>
-            <a:noFill/>
-          </a:ln>
-        </p:spPr>
-        <p:txBody>
-          <a:bodyPr spcFirstLastPara="1" wrap="square" lIns="91425" tIns="45700" rIns="91425" bIns="45700" anchor="b" anchorCtr="0">
-            <a:noAutofit/>
-          </a:bodyPr>
-          <a:lstStyle/>
-          <a:p>
-            <a:pPr marL="0" lvl="0" indent="0" algn="r" rtl="0">
-              <a:lnSpc>
-                <a:spcPct val="100000"/>
-              </a:lnSpc>
-              <a:spcBef>
-                <a:spcPts val="0"/>
-              </a:spcBef>
-              <a:spcAft>
-                <a:spcPts val="0"/>
-              </a:spcAft>
-              <a:buClr>
-                <a:srgbClr val="000000"/>
-              </a:buClr>
-              <a:buSzPts val="1200"/>
-              <a:buFont typeface="Arial"/>
-              <a:buNone/>
-            </a:pPr>
-            <a:fld id="{00000000-1234-1234-1234-123412341234}" type="slidenum">
-              <a:rPr lang="pt-BR"/>
-              <a:pPr marL="0" lvl="0" indent="0" algn="r" rtl="0">
-                <a:lnSpc>
-                  <a:spcPct val="100000"/>
-                </a:lnSpc>
-                <a:spcBef>
-                  <a:spcPts val="0"/>
-                </a:spcBef>
-                <a:spcAft>
-                  <a:spcPts val="0"/>
-                </a:spcAft>
-                <a:buClr>
-                  <a:srgbClr val="000000"/>
-                </a:buClr>
-                <a:buSzPts val="1200"/>
-                <a:buFont typeface="Arial"/>
-                <a:buNone/>
-              </a:pPr>
-              <a:t>10</a:t>
-            </a:fld>
-            <a:endParaRPr/>
-          </a:p>
-        </p:txBody>
-      </p:sp>
-    </p:spTree>
-  </p:cSld>
-  <p:clrMapOvr>
-    <a:masterClrMapping/>
-  </p:clrMapOvr>
-</p:notes>
-</file>
-
 <file path=ppt/slideLayouts/slideLayout1.xml><?xml version="1.0" encoding="utf-8"?>
 <p:sldLayout xmlns:a="http://schemas.openxmlformats.org/drawingml/2006/main" xmlns:r="http://schemas.openxmlformats.org/officeDocument/2006/relationships" xmlns:p="http://schemas.openxmlformats.org/presentationml/2006/main" matchingName="Slide de título" type="title">
   <p:cSld name="TITLE">
@@ -4326,7 +4574,7 @@
                 </a:spcAft>
                 <a:buNone/>
               </a:pPr>
-              <a:t>‹nº›</a:t>
+              <a:t>‹#›</a:t>
             </a:fld>
             <a:endParaRPr/>
           </a:p>
@@ -5338,7 +5586,7 @@
                 </a:spcAft>
                 <a:buNone/>
               </a:pPr>
-              <a:t>‹nº›</a:t>
+              <a:t>‹#›</a:t>
             </a:fld>
             <a:endParaRPr/>
           </a:p>
@@ -6323,7 +6571,7 @@
                 </a:spcAft>
                 <a:buNone/>
               </a:pPr>
-              <a:t>‹nº›</a:t>
+              <a:t>‹#›</a:t>
             </a:fld>
             <a:endParaRPr/>
           </a:p>
@@ -7240,7 +7488,7 @@
                 </a:spcAft>
                 <a:buNone/>
               </a:pPr>
-              <a:t>‹nº›</a:t>
+              <a:t>‹#›</a:t>
             </a:fld>
             <a:endParaRPr/>
           </a:p>
@@ -8453,7 +8701,7 @@
                 </a:spcAft>
                 <a:buNone/>
               </a:pPr>
-              <a:t>‹nº›</a:t>
+              <a:t>‹#›</a:t>
             </a:fld>
             <a:endParaRPr/>
           </a:p>
@@ -9625,7 +9873,7 @@
                 </a:spcAft>
                 <a:buNone/>
               </a:pPr>
-              <a:t>‹nº›</a:t>
+              <a:t>‹#›</a:t>
             </a:fld>
             <a:endParaRPr/>
           </a:p>
@@ -11172,7 +11420,7 @@
                 </a:spcAft>
                 <a:buNone/>
               </a:pPr>
-              <a:t>‹nº›</a:t>
+              <a:t>‹#›</a:t>
             </a:fld>
             <a:endParaRPr/>
           </a:p>
@@ -11970,7 +12218,7 @@
                 </a:spcAft>
                 <a:buNone/>
               </a:pPr>
-              <a:t>‹nº›</a:t>
+              <a:t>‹#›</a:t>
             </a:fld>
             <a:endParaRPr/>
           </a:p>
@@ -12605,7 +12853,7 @@
                 </a:spcAft>
                 <a:buNone/>
               </a:pPr>
-              <a:t>‹nº›</a:t>
+              <a:t>‹#›</a:t>
             </a:fld>
             <a:endParaRPr/>
           </a:p>
@@ -13778,7 +14026,7 @@
                 </a:spcAft>
                 <a:buNone/>
               </a:pPr>
-              <a:t>‹nº›</a:t>
+              <a:t>‹#›</a:t>
             </a:fld>
             <a:endParaRPr/>
           </a:p>
@@ -14788,7 +15036,7 @@
                 </a:spcAft>
                 <a:buNone/>
               </a:pPr>
-              <a:t>‹nº›</a:t>
+              <a:t>‹#›</a:t>
             </a:fld>
             <a:endParaRPr/>
           </a:p>
@@ -16183,7 +16431,7 @@
                 </a:spcAft>
                 <a:buNone/>
               </a:pPr>
-              <a:t>‹nº›</a:t>
+              <a:t>‹#›</a:t>
             </a:fld>
             <a:endParaRPr/>
           </a:p>
@@ -16962,10 +17210,17 @@
               <a:buNone/>
             </a:pPr>
             <a:r>
-              <a:rPr lang="pt-BR" b="1"/>
-              <a:t>Nome do Projeto</a:t>
+              <a:rPr lang="pt-BR" b="1" dirty="0"/>
+              <a:t>Sistema de e-commerce </a:t>
             </a:r>
-            <a:endParaRPr sz="3700" b="1"/>
+            <a:br>
+              <a:rPr lang="pt-BR" b="1" dirty="0"/>
+            </a:br>
+            <a:r>
+              <a:rPr lang="pt-BR" b="1" dirty="0"/>
+              <a:t>Pé na Ativa</a:t>
+            </a:r>
+            <a:endParaRPr sz="3700" b="1" dirty="0"/>
           </a:p>
         </p:txBody>
       </p:sp>
@@ -17015,10 +17270,13 @@
               <a:buNone/>
             </a:pPr>
             <a:r>
-              <a:rPr lang="pt-BR"/>
-              <a:t>UniSenac campus Pelotas</a:t>
+              <a:rPr lang="pt-BR" dirty="0" err="1"/>
+              <a:t>UniSenac</a:t>
             </a:r>
-            <a:endParaRPr/>
+            <a:r>
+              <a:rPr lang="pt-BR" dirty="0"/>
+              <a:t> campus Pelotas</a:t>
+            </a:r>
           </a:p>
           <a:p>
             <a:pPr marL="0" lvl="0" indent="0" algn="ctr" rtl="0">
@@ -17038,10 +17296,9 @@
               <a:buNone/>
             </a:pPr>
             <a:r>
-              <a:rPr lang="pt-BR"/>
-              <a:t>Nome do aluno</a:t>
+              <a:rPr lang="pt-BR" dirty="0"/>
+              <a:t>Bernardo, Bryan, Eduarda, Valdemar e Yan</a:t>
             </a:r>
-            <a:endParaRPr/>
           </a:p>
           <a:p>
             <a:pPr marL="0" lvl="0" indent="0" algn="ctr" rtl="0">
@@ -17060,7 +17317,7 @@
               <a:buSzPts val="3200"/>
               <a:buNone/>
             </a:pPr>
-            <a:endParaRPr/>
+            <a:endParaRPr lang="pt-BR" dirty="0"/>
           </a:p>
         </p:txBody>
       </p:sp>
@@ -17073,6 +17330,501 @@
 </file>
 
 <file path=ppt/slides/slide10.xml><?xml version="1.0" encoding="utf-8"?>
+<p:sld xmlns:a="http://schemas.openxmlformats.org/drawingml/2006/main" xmlns:r="http://schemas.openxmlformats.org/officeDocument/2006/relationships" xmlns:p="http://schemas.openxmlformats.org/presentationml/2006/main">
+  <p:cSld>
+    <p:spTree>
+      <p:nvGrpSpPr>
+        <p:cNvPr id="1" name="">
+          <a:extLst>
+            <a:ext uri="{FF2B5EF4-FFF2-40B4-BE49-F238E27FC236}">
+              <a16:creationId xmlns:a16="http://schemas.microsoft.com/office/drawing/2014/main" id="{1C50F3B1-2897-860D-9B4D-E2247968E43D}"/>
+            </a:ext>
+          </a:extLst>
+        </p:cNvPr>
+        <p:cNvGrpSpPr/>
+        <p:nvPr/>
+      </p:nvGrpSpPr>
+      <p:grpSpPr>
+        <a:xfrm>
+          <a:off x="0" y="0"/>
+          <a:ext cx="0" cy="0"/>
+          <a:chOff x="0" y="0"/>
+          <a:chExt cx="0" cy="0"/>
+        </a:xfrm>
+      </p:grpSpPr>
+      <p:sp>
+        <p:nvSpPr>
+          <p:cNvPr id="2" name="Título 1">
+            <a:extLst>
+              <a:ext uri="{FF2B5EF4-FFF2-40B4-BE49-F238E27FC236}">
+                <a16:creationId xmlns:a16="http://schemas.microsoft.com/office/drawing/2014/main" id="{14A98DC2-34B4-855E-FDB2-9382130917BF}"/>
+              </a:ext>
+            </a:extLst>
+          </p:cNvPr>
+          <p:cNvSpPr>
+            <a:spLocks noGrp="1"/>
+          </p:cNvSpPr>
+          <p:nvPr>
+            <p:ph type="title"/>
+          </p:nvPr>
+        </p:nvSpPr>
+        <p:spPr/>
+        <p:txBody>
+          <a:bodyPr/>
+          <a:lstStyle/>
+          <a:p>
+            <a:r>
+              <a:rPr lang="pt-BR" dirty="0" err="1"/>
+              <a:t>Prototipação</a:t>
+            </a:r>
+            <a:endParaRPr lang="pt-BR" dirty="0"/>
+          </a:p>
+        </p:txBody>
+      </p:sp>
+      <p:sp>
+        <p:nvSpPr>
+          <p:cNvPr id="3" name="Espaço Reservado para Texto 2">
+            <a:extLst>
+              <a:ext uri="{FF2B5EF4-FFF2-40B4-BE49-F238E27FC236}">
+                <a16:creationId xmlns:a16="http://schemas.microsoft.com/office/drawing/2014/main" id="{722799E6-11AC-9D8C-F522-12B4ABCE97A5}"/>
+              </a:ext>
+            </a:extLst>
+          </p:cNvPr>
+          <p:cNvSpPr>
+            <a:spLocks noGrp="1"/>
+          </p:cNvSpPr>
+          <p:nvPr>
+            <p:ph type="body" idx="1"/>
+          </p:nvPr>
+        </p:nvSpPr>
+        <p:spPr/>
+        <p:txBody>
+          <a:bodyPr/>
+          <a:lstStyle/>
+          <a:p>
+            <a:endParaRPr lang="pt-BR" dirty="0"/>
+          </a:p>
+        </p:txBody>
+      </p:sp>
+      <p:pic>
+        <p:nvPicPr>
+          <p:cNvPr id="6" name="Picture 5">
+            <a:extLst>
+              <a:ext uri="{FF2B5EF4-FFF2-40B4-BE49-F238E27FC236}">
+                <a16:creationId xmlns:a16="http://schemas.microsoft.com/office/drawing/2014/main" id="{E18D8054-38E3-766D-48A7-29094FB70C56}"/>
+              </a:ext>
+            </a:extLst>
+          </p:cNvPr>
+          <p:cNvPicPr>
+            <a:picLocks noChangeAspect="1"/>
+          </p:cNvPicPr>
+          <p:nvPr/>
+        </p:nvPicPr>
+        <p:blipFill>
+          <a:blip r:embed="rId2"/>
+          <a:stretch>
+            <a:fillRect/>
+          </a:stretch>
+        </p:blipFill>
+        <p:spPr>
+          <a:xfrm>
+            <a:off x="1856201" y="1341304"/>
+            <a:ext cx="1338554" cy="4740175"/>
+          </a:xfrm>
+          <a:prstGeom prst="rect">
+            <a:avLst/>
+          </a:prstGeom>
+        </p:spPr>
+      </p:pic>
+      <p:pic>
+        <p:nvPicPr>
+          <p:cNvPr id="8" name="Picture 7">
+            <a:extLst>
+              <a:ext uri="{FF2B5EF4-FFF2-40B4-BE49-F238E27FC236}">
+                <a16:creationId xmlns:a16="http://schemas.microsoft.com/office/drawing/2014/main" id="{FC9100A5-2A89-B665-02E1-B079967F5ED4}"/>
+              </a:ext>
+            </a:extLst>
+          </p:cNvPr>
+          <p:cNvPicPr>
+            <a:picLocks noChangeAspect="1"/>
+          </p:cNvPicPr>
+          <p:nvPr/>
+        </p:nvPicPr>
+        <p:blipFill>
+          <a:blip r:embed="rId3"/>
+          <a:stretch>
+            <a:fillRect/>
+          </a:stretch>
+        </p:blipFill>
+        <p:spPr>
+          <a:xfrm>
+            <a:off x="3781881" y="1340768"/>
+            <a:ext cx="1580237" cy="4740711"/>
+          </a:xfrm>
+          <a:prstGeom prst="rect">
+            <a:avLst/>
+          </a:prstGeom>
+        </p:spPr>
+      </p:pic>
+      <p:pic>
+        <p:nvPicPr>
+          <p:cNvPr id="10" name="Picture 9">
+            <a:extLst>
+              <a:ext uri="{FF2B5EF4-FFF2-40B4-BE49-F238E27FC236}">
+                <a16:creationId xmlns:a16="http://schemas.microsoft.com/office/drawing/2014/main" id="{B06CA573-73E3-42E3-734E-3CED7D87F627}"/>
+              </a:ext>
+            </a:extLst>
+          </p:cNvPr>
+          <p:cNvPicPr>
+            <a:picLocks noChangeAspect="1"/>
+          </p:cNvPicPr>
+          <p:nvPr/>
+        </p:nvPicPr>
+        <p:blipFill>
+          <a:blip r:embed="rId4"/>
+          <a:stretch>
+            <a:fillRect/>
+          </a:stretch>
+        </p:blipFill>
+        <p:spPr>
+          <a:xfrm>
+            <a:off x="5920376" y="1340768"/>
+            <a:ext cx="1590052" cy="4740711"/>
+          </a:xfrm>
+          <a:prstGeom prst="rect">
+            <a:avLst/>
+          </a:prstGeom>
+        </p:spPr>
+      </p:pic>
+    </p:spTree>
+    <p:extLst>
+      <p:ext uri="{BB962C8B-B14F-4D97-AF65-F5344CB8AC3E}">
+        <p14:creationId xmlns:p14="http://schemas.microsoft.com/office/powerpoint/2010/main" val="3088655678"/>
+      </p:ext>
+    </p:extLst>
+  </p:cSld>
+  <p:clrMapOvr>
+    <a:masterClrMapping/>
+  </p:clrMapOvr>
+</p:sld>
+</file>
+
+<file path=ppt/slides/slide11.xml><?xml version="1.0" encoding="utf-8"?>
+<p:sld xmlns:a="http://schemas.openxmlformats.org/drawingml/2006/main" xmlns:r="http://schemas.openxmlformats.org/officeDocument/2006/relationships" xmlns:p="http://schemas.openxmlformats.org/presentationml/2006/main">
+  <p:cSld>
+    <p:spTree>
+      <p:nvGrpSpPr>
+        <p:cNvPr id="1" name="Shape 131"/>
+        <p:cNvGrpSpPr/>
+        <p:nvPr/>
+      </p:nvGrpSpPr>
+      <p:grpSpPr>
+        <a:xfrm>
+          <a:off x="0" y="0"/>
+          <a:ext cx="0" cy="0"/>
+          <a:chOff x="0" y="0"/>
+          <a:chExt cx="0" cy="0"/>
+        </a:xfrm>
+      </p:grpSpPr>
+      <p:sp>
+        <p:nvSpPr>
+          <p:cNvPr id="132" name="Google Shape;132;g2d4445bff6b_0_23"/>
+          <p:cNvSpPr txBox="1">
+            <a:spLocks noGrp="1"/>
+          </p:cNvSpPr>
+          <p:nvPr>
+            <p:ph type="title"/>
+          </p:nvPr>
+        </p:nvSpPr>
+        <p:spPr>
+          <a:xfrm>
+            <a:off x="467544" y="0"/>
+            <a:ext cx="8229600" cy="1143000"/>
+          </a:xfrm>
+          <a:prstGeom prst="rect">
+            <a:avLst/>
+          </a:prstGeom>
+          <a:noFill/>
+          <a:ln>
+            <a:noFill/>
+          </a:ln>
+        </p:spPr>
+        <p:txBody>
+          <a:bodyPr spcFirstLastPara="1" wrap="square" lIns="91425" tIns="45700" rIns="91425" bIns="45700" anchor="ctr" anchorCtr="0">
+            <a:normAutofit/>
+          </a:bodyPr>
+          <a:lstStyle/>
+          <a:p>
+            <a:pPr marL="0" lvl="0" indent="0" algn="ctr" rtl="0">
+              <a:lnSpc>
+                <a:spcPct val="100000"/>
+              </a:lnSpc>
+              <a:spcBef>
+                <a:spcPts val="0"/>
+              </a:spcBef>
+              <a:spcAft>
+                <a:spcPts val="0"/>
+              </a:spcAft>
+              <a:buSzPts val="4400"/>
+              <a:buNone/>
+            </a:pPr>
+            <a:r>
+              <a:rPr lang="pt-BR"/>
+              <a:t>Projeto</a:t>
+            </a:r>
+            <a:endParaRPr/>
+          </a:p>
+        </p:txBody>
+      </p:sp>
+      <p:sp>
+        <p:nvSpPr>
+          <p:cNvPr id="133" name="Google Shape;133;g2d4445bff6b_0_23"/>
+          <p:cNvSpPr txBox="1">
+            <a:spLocks noGrp="1"/>
+          </p:cNvSpPr>
+          <p:nvPr>
+            <p:ph type="body" idx="1"/>
+          </p:nvPr>
+        </p:nvSpPr>
+        <p:spPr>
+          <a:xfrm>
+            <a:off x="457200" y="1340768"/>
+            <a:ext cx="8229600" cy="4526100"/>
+          </a:xfrm>
+          <a:prstGeom prst="rect">
+            <a:avLst/>
+          </a:prstGeom>
+          <a:noFill/>
+          <a:ln>
+            <a:noFill/>
+          </a:ln>
+        </p:spPr>
+        <p:txBody>
+          <a:bodyPr spcFirstLastPara="1" wrap="square" lIns="91425" tIns="45700" rIns="91425" bIns="45700" anchor="t" anchorCtr="0">
+            <a:normAutofit/>
+          </a:bodyPr>
+          <a:lstStyle/>
+          <a:p>
+            <a:pPr marL="457200" lvl="0" indent="-431800" algn="just" rtl="0">
+              <a:lnSpc>
+                <a:spcPct val="100000"/>
+              </a:lnSpc>
+              <a:spcBef>
+                <a:spcPts val="0"/>
+              </a:spcBef>
+              <a:spcAft>
+                <a:spcPts val="0"/>
+              </a:spcAft>
+              <a:buSzPts val="3200"/>
+              <a:buChar char="❑"/>
+            </a:pPr>
+            <a:r>
+              <a:rPr lang="pt-BR" dirty="0"/>
+              <a:t>Funcionalidades do Sistema:</a:t>
+            </a:r>
+          </a:p>
+          <a:p>
+            <a:pPr lvl="1" indent="-431800">
+              <a:spcBef>
+                <a:spcPts val="0"/>
+              </a:spcBef>
+              <a:buSzPts val="3200"/>
+            </a:pPr>
+            <a:r>
+              <a:rPr lang="pt-BR" dirty="0"/>
+              <a:t>Administradores: podem adicionar, atualizar e remover produtos. </a:t>
+            </a:r>
+          </a:p>
+          <a:p>
+            <a:pPr lvl="1" indent="-431800">
+              <a:spcBef>
+                <a:spcPts val="0"/>
+              </a:spcBef>
+              <a:buSzPts val="3200"/>
+            </a:pPr>
+            <a:r>
+              <a:rPr lang="pt-BR" dirty="0"/>
+              <a:t>Clientes: podem navegar, </a:t>
+            </a:r>
+            <a:r>
+              <a:rPr lang="en-US" dirty="0"/>
+              <a:t>e</a:t>
+            </a:r>
+            <a:r>
+              <a:rPr lang="pt-BR" dirty="0"/>
+              <a:t> realizar pedidos.</a:t>
+            </a:r>
+          </a:p>
+          <a:p>
+            <a:pPr>
+              <a:spcBef>
+                <a:spcPts val="0"/>
+              </a:spcBef>
+            </a:pPr>
+            <a:r>
+              <a:rPr lang="pt-BR" dirty="0"/>
+              <a:t>Objetivo: Atender às demandas do proprietário e aumentar o faturamento. </a:t>
+            </a:r>
+          </a:p>
+          <a:p>
+            <a:pPr>
+              <a:spcBef>
+                <a:spcPts val="0"/>
+              </a:spcBef>
+            </a:pPr>
+            <a:r>
+              <a:rPr lang="pt-BR" dirty="0"/>
+              <a:t>Tecnologias Utilizadas:</a:t>
+            </a:r>
+          </a:p>
+          <a:p>
+            <a:pPr lvl="1">
+              <a:spcBef>
+                <a:spcPts val="0"/>
+              </a:spcBef>
+            </a:pPr>
+            <a:r>
+              <a:rPr lang="pt-BR" dirty="0"/>
+              <a:t>Front-</a:t>
+            </a:r>
+            <a:r>
+              <a:rPr lang="pt-BR" dirty="0" err="1"/>
+              <a:t>end</a:t>
+            </a:r>
+            <a:r>
+              <a:rPr lang="pt-BR" dirty="0"/>
+              <a:t>: </a:t>
+            </a:r>
+            <a:r>
+              <a:rPr lang="pt-BR" i="1" dirty="0" err="1"/>
+              <a:t>React</a:t>
+            </a:r>
+            <a:r>
+              <a:rPr lang="pt-BR" dirty="0"/>
+              <a:t> e </a:t>
+            </a:r>
+            <a:r>
+              <a:rPr lang="pt-BR" i="1" dirty="0" err="1"/>
+              <a:t>Tailwind</a:t>
+            </a:r>
+            <a:r>
+              <a:rPr lang="pt-BR" i="1" dirty="0"/>
+              <a:t> CSS</a:t>
+            </a:r>
+            <a:r>
+              <a:rPr lang="pt-BR" dirty="0"/>
+              <a:t>.</a:t>
+            </a:r>
+          </a:p>
+          <a:p>
+            <a:pPr lvl="1">
+              <a:spcBef>
+                <a:spcPts val="0"/>
+              </a:spcBef>
+            </a:pPr>
+            <a:r>
+              <a:rPr lang="pt-BR" dirty="0"/>
+              <a:t>Back-</a:t>
+            </a:r>
+            <a:r>
+              <a:rPr lang="pt-BR" dirty="0" err="1"/>
+              <a:t>end</a:t>
+            </a:r>
+            <a:r>
+              <a:rPr lang="pt-BR" dirty="0"/>
+              <a:t>: JSON Server.</a:t>
+            </a:r>
+          </a:p>
+        </p:txBody>
+      </p:sp>
+    </p:spTree>
+  </p:cSld>
+  <p:clrMapOvr>
+    <a:masterClrMapping/>
+  </p:clrMapOvr>
+</p:sld>
+</file>
+
+<file path=ppt/slides/slide12.xml><?xml version="1.0" encoding="utf-8"?>
+<p:sld xmlns:a="http://schemas.openxmlformats.org/drawingml/2006/main" xmlns:r="http://schemas.openxmlformats.org/officeDocument/2006/relationships" xmlns:p="http://schemas.openxmlformats.org/presentationml/2006/main">
+  <p:cSld>
+    <p:spTree>
+      <p:nvGrpSpPr>
+        <p:cNvPr id="1" name="Shape 144"/>
+        <p:cNvGrpSpPr/>
+        <p:nvPr/>
+      </p:nvGrpSpPr>
+      <p:grpSpPr>
+        <a:xfrm>
+          <a:off x="0" y="0"/>
+          <a:ext cx="0" cy="0"/>
+          <a:chOff x="0" y="0"/>
+          <a:chExt cx="0" cy="0"/>
+        </a:xfrm>
+      </p:grpSpPr>
+      <p:sp>
+        <p:nvSpPr>
+          <p:cNvPr id="145" name="Google Shape;145;g2d4445bff6b_0_6"/>
+          <p:cNvSpPr txBox="1">
+            <a:spLocks noGrp="1"/>
+          </p:cNvSpPr>
+          <p:nvPr>
+            <p:ph type="ctrTitle"/>
+          </p:nvPr>
+        </p:nvSpPr>
+        <p:spPr>
+          <a:xfrm>
+            <a:off x="742950" y="2816225"/>
+            <a:ext cx="7772400" cy="1470000"/>
+          </a:xfrm>
+          <a:prstGeom prst="rect">
+            <a:avLst/>
+          </a:prstGeom>
+          <a:noFill/>
+          <a:ln>
+            <a:noFill/>
+          </a:ln>
+        </p:spPr>
+        <p:txBody>
+          <a:bodyPr spcFirstLastPara="1" wrap="square" lIns="91425" tIns="45700" rIns="91425" bIns="45700" anchor="ctr" anchorCtr="0">
+            <a:normAutofit/>
+          </a:bodyPr>
+          <a:lstStyle/>
+          <a:p>
+            <a:pPr marL="0" lvl="0" indent="0" algn="ctr" rtl="0">
+              <a:lnSpc>
+                <a:spcPct val="100000"/>
+              </a:lnSpc>
+              <a:spcBef>
+                <a:spcPts val="0"/>
+              </a:spcBef>
+              <a:spcAft>
+                <a:spcPts val="0"/>
+              </a:spcAft>
+              <a:buClr>
+                <a:schemeClr val="dk2"/>
+              </a:buClr>
+              <a:buSzPts val="4400"/>
+              <a:buFont typeface="Calibri"/>
+              <a:buNone/>
+            </a:pPr>
+            <a:r>
+              <a:rPr lang="pt-BR" b="1" dirty="0"/>
+              <a:t>Demonstração</a:t>
+            </a:r>
+            <a:endParaRPr sz="3700" b="1"/>
+          </a:p>
+        </p:txBody>
+      </p:sp>
+    </p:spTree>
+  </p:cSld>
+  <p:clrMapOvr>
+    <a:masterClrMapping/>
+  </p:clrMapOvr>
+</p:sld>
+</file>
+
+<file path=ppt/slides/slide13.xml><?xml version="1.0" encoding="utf-8"?>
 <p:sld xmlns:a="http://schemas.openxmlformats.org/drawingml/2006/main" xmlns:r="http://schemas.openxmlformats.org/officeDocument/2006/relationships" xmlns:p="http://schemas.openxmlformats.org/presentationml/2006/main">
   <p:cSld>
     <p:spTree>
@@ -17168,6 +17920,134 @@
           </a:bodyPr>
           <a:lstStyle/>
           <a:p>
+            <a:pPr marL="0" marR="0" indent="457200" algn="just">
+              <a:lnSpc>
+                <a:spcPct val="150000"/>
+              </a:lnSpc>
+            </a:pPr>
+            <a:r>
+              <a:rPr lang="pt-BR" sz="1800" dirty="0">
+                <a:effectLst/>
+                <a:latin typeface="Calibri" panose="020F0502020204030204" pitchFamily="34" charset="0"/>
+                <a:ea typeface="Arial" panose="020B0604020202020204" pitchFamily="34" charset="0"/>
+                <a:cs typeface="Calibri" panose="020F0502020204030204" pitchFamily="34" charset="0"/>
+              </a:rPr>
+              <a:t>IEPSEN, </a:t>
+            </a:r>
+            <a:r>
+              <a:rPr lang="pt-BR" sz="1800" dirty="0" err="1">
+                <a:effectLst/>
+                <a:latin typeface="Calibri" panose="020F0502020204030204" pitchFamily="34" charset="0"/>
+                <a:ea typeface="Arial" panose="020B0604020202020204" pitchFamily="34" charset="0"/>
+                <a:cs typeface="Calibri" panose="020F0502020204030204" pitchFamily="34" charset="0"/>
+              </a:rPr>
+              <a:t>Edécio</a:t>
+            </a:r>
+            <a:r>
+              <a:rPr lang="pt-BR" sz="1800" dirty="0">
+                <a:effectLst/>
+                <a:latin typeface="Calibri" panose="020F0502020204030204" pitchFamily="34" charset="0"/>
+                <a:ea typeface="Arial" panose="020B0604020202020204" pitchFamily="34" charset="0"/>
+                <a:cs typeface="Calibri" panose="020F0502020204030204" pitchFamily="34" charset="0"/>
+              </a:rPr>
+              <a:t> Fernando. Lógica de Programação e Algoritmos com </a:t>
+            </a:r>
+            <a:r>
+              <a:rPr lang="pt-BR" sz="1800" dirty="0" err="1">
+                <a:effectLst/>
+                <a:latin typeface="Calibri" panose="020F0502020204030204" pitchFamily="34" charset="0"/>
+                <a:ea typeface="Arial" panose="020B0604020202020204" pitchFamily="34" charset="0"/>
+                <a:cs typeface="Calibri" panose="020F0502020204030204" pitchFamily="34" charset="0"/>
+              </a:rPr>
+              <a:t>JavaScript</a:t>
+            </a:r>
+            <a:r>
+              <a:rPr lang="pt-BR" sz="1800" dirty="0">
+                <a:effectLst/>
+                <a:latin typeface="Calibri" panose="020F0502020204030204" pitchFamily="34" charset="0"/>
+                <a:ea typeface="Arial" panose="020B0604020202020204" pitchFamily="34" charset="0"/>
+                <a:cs typeface="Calibri" panose="020F0502020204030204" pitchFamily="34" charset="0"/>
+              </a:rPr>
+              <a:t>: uma introdução à programação de computadores com exemplos e exercícios para iniciantes. </a:t>
+            </a:r>
+            <a:r>
+              <a:rPr lang="en-US" sz="1800" dirty="0" err="1">
+                <a:effectLst/>
+                <a:latin typeface="Calibri" panose="020F0502020204030204" pitchFamily="34" charset="0"/>
+                <a:ea typeface="Arial" panose="020B0604020202020204" pitchFamily="34" charset="0"/>
+                <a:cs typeface="Calibri" panose="020F0502020204030204" pitchFamily="34" charset="0"/>
+              </a:rPr>
+              <a:t>Novatec</a:t>
+            </a:r>
+            <a:r>
+              <a:rPr lang="en-US" sz="1800" dirty="0">
+                <a:effectLst/>
+                <a:latin typeface="Calibri" panose="020F0502020204030204" pitchFamily="34" charset="0"/>
+                <a:ea typeface="Arial" panose="020B0604020202020204" pitchFamily="34" charset="0"/>
+                <a:cs typeface="Calibri" panose="020F0502020204030204" pitchFamily="34" charset="0"/>
+              </a:rPr>
+              <a:t> </a:t>
+            </a:r>
+            <a:r>
+              <a:rPr lang="en-US" sz="1800" dirty="0" err="1">
+                <a:effectLst/>
+                <a:latin typeface="Calibri" panose="020F0502020204030204" pitchFamily="34" charset="0"/>
+                <a:ea typeface="Arial" panose="020B0604020202020204" pitchFamily="34" charset="0"/>
+                <a:cs typeface="Calibri" panose="020F0502020204030204" pitchFamily="34" charset="0"/>
+              </a:rPr>
+              <a:t>Editora</a:t>
+            </a:r>
+            <a:r>
+              <a:rPr lang="en-US" sz="1800" dirty="0">
+                <a:effectLst/>
+                <a:latin typeface="Calibri" panose="020F0502020204030204" pitchFamily="34" charset="0"/>
+                <a:ea typeface="Arial" panose="020B0604020202020204" pitchFamily="34" charset="0"/>
+                <a:cs typeface="Calibri" panose="020F0502020204030204" pitchFamily="34" charset="0"/>
+              </a:rPr>
+              <a:t>, 2018.</a:t>
+            </a:r>
+          </a:p>
+          <a:p>
+            <a:pPr marL="0" marR="0" indent="457200" algn="just">
+              <a:lnSpc>
+                <a:spcPct val="150000"/>
+              </a:lnSpc>
+            </a:pPr>
+            <a:r>
+              <a:rPr lang="en-US" sz="1800" dirty="0">
+                <a:effectLst/>
+                <a:latin typeface="Calibri" panose="020F0502020204030204" pitchFamily="34" charset="0"/>
+                <a:ea typeface="Arial" panose="020B0604020202020204" pitchFamily="34" charset="0"/>
+                <a:cs typeface="Calibri" panose="020F0502020204030204" pitchFamily="34" charset="0"/>
+              </a:rPr>
+              <a:t>SOMMERVILLE, Ian. Ian. </a:t>
+            </a:r>
+            <a:r>
+              <a:rPr lang="en-US" sz="1800" dirty="0" err="1">
+                <a:effectLst/>
+                <a:latin typeface="Calibri" panose="020F0502020204030204" pitchFamily="34" charset="0"/>
+                <a:ea typeface="Arial" panose="020B0604020202020204" pitchFamily="34" charset="0"/>
+                <a:cs typeface="Calibri" panose="020F0502020204030204" pitchFamily="34" charset="0"/>
+              </a:rPr>
+              <a:t>Engenharia</a:t>
+            </a:r>
+            <a:r>
+              <a:rPr lang="en-US" sz="1800" dirty="0">
+                <a:effectLst/>
+                <a:latin typeface="Calibri" panose="020F0502020204030204" pitchFamily="34" charset="0"/>
+                <a:ea typeface="Arial" panose="020B0604020202020204" pitchFamily="34" charset="0"/>
+                <a:cs typeface="Calibri" panose="020F0502020204030204" pitchFamily="34" charset="0"/>
+              </a:rPr>
+              <a:t> de Software. 2011.</a:t>
+            </a:r>
+            <a:endParaRPr lang="en-US" sz="1800" dirty="0">
+              <a:effectLst/>
+              <a:latin typeface="Calibri" panose="020F0502020204030204" pitchFamily="34" charset="0"/>
+              <a:ea typeface="Times New Roman" panose="02020603050405020304" pitchFamily="18" charset="0"/>
+              <a:cs typeface="Calibri" panose="020F0502020204030204" pitchFamily="34" charset="0"/>
+            </a:endParaRPr>
+          </a:p>
+          <a:p>
             <a:pPr marL="457200" lvl="0" indent="-431800" algn="just" rtl="0">
               <a:lnSpc>
                 <a:spcPct val="100000"/>
@@ -17181,7 +18061,7 @@
               <a:buSzPts val="3200"/>
               <a:buChar char="❑"/>
             </a:pPr>
-            <a:endParaRPr/>
+            <a:endParaRPr dirty="0"/>
           </a:p>
         </p:txBody>
       </p:sp>
@@ -17193,12 +18073,18 @@
 </p:sld>
 </file>
 
-<file path=ppt/slides/slide11.xml><?xml version="1.0" encoding="utf-8"?>
+<file path=ppt/slides/slide14.xml><?xml version="1.0" encoding="utf-8"?>
 <p:sld xmlns:a="http://schemas.openxmlformats.org/drawingml/2006/main" xmlns:r="http://schemas.openxmlformats.org/officeDocument/2006/relationships" xmlns:p="http://schemas.openxmlformats.org/presentationml/2006/main">
   <p:cSld>
     <p:spTree>
       <p:nvGrpSpPr>
-        <p:cNvPr id="1" name="Shape 144"/>
+        <p:cNvPr id="1" name="Shape 89">
+          <a:extLst>
+            <a:ext uri="{FF2B5EF4-FFF2-40B4-BE49-F238E27FC236}">
+              <a16:creationId xmlns:a16="http://schemas.microsoft.com/office/drawing/2014/main" id="{8D1ABAF6-3E36-B439-CE90-3C8CD7F2BED5}"/>
+            </a:ext>
+          </a:extLst>
+        </p:cNvPr>
         <p:cNvGrpSpPr/>
         <p:nvPr/>
       </p:nvGrpSpPr>
@@ -17212,7 +18098,13 @@
       </p:grpSpPr>
       <p:sp>
         <p:nvSpPr>
-          <p:cNvPr id="145" name="Google Shape;145;g2d4445bff6b_0_6"/>
+          <p:cNvPr id="90" name="Google Shape;90;p1">
+            <a:extLst>
+              <a:ext uri="{FF2B5EF4-FFF2-40B4-BE49-F238E27FC236}">
+                <a16:creationId xmlns:a16="http://schemas.microsoft.com/office/drawing/2014/main" id="{490E17F6-D414-59A6-A8AF-ACDA536E83B8}"/>
+              </a:ext>
+            </a:extLst>
+          </p:cNvPr>
           <p:cNvSpPr txBox="1">
             <a:spLocks noGrp="1"/>
           </p:cNvSpPr>
@@ -17223,7 +18115,7 @@
         <p:spPr>
           <a:xfrm>
             <a:off x="685800" y="2130425"/>
-            <a:ext cx="7772400" cy="1470000"/>
+            <a:ext cx="7772400" cy="1470025"/>
           </a:xfrm>
           <a:prstGeom prst="rect">
             <a:avLst/>
@@ -17257,16 +18149,29 @@
               <a:buNone/>
             </a:pPr>
             <a:r>
-              <a:rPr lang="pt-BR" b="1"/>
-              <a:t>Nome do Projeto</a:t>
+              <a:rPr lang="pt-BR" b="1" dirty="0"/>
+              <a:t>Sistema de e-commerce </a:t>
             </a:r>
-            <a:endParaRPr sz="3700" b="1"/>
+            <a:br>
+              <a:rPr lang="pt-BR" b="1" dirty="0"/>
+            </a:br>
+            <a:r>
+              <a:rPr lang="pt-BR" b="1" dirty="0"/>
+              <a:t>Pé na Ativa</a:t>
+            </a:r>
+            <a:endParaRPr sz="3700" b="1" dirty="0"/>
           </a:p>
         </p:txBody>
       </p:sp>
       <p:sp>
         <p:nvSpPr>
-          <p:cNvPr id="146" name="Google Shape;146;g2d4445bff6b_0_6"/>
+          <p:cNvPr id="91" name="Google Shape;91;p1">
+            <a:extLst>
+              <a:ext uri="{FF2B5EF4-FFF2-40B4-BE49-F238E27FC236}">
+                <a16:creationId xmlns:a16="http://schemas.microsoft.com/office/drawing/2014/main" id="{E1A99052-EBA4-B3D0-D238-8C9B353CF10C}"/>
+              </a:ext>
+            </a:extLst>
+          </p:cNvPr>
           <p:cNvSpPr txBox="1">
             <a:spLocks noGrp="1"/>
           </p:cNvSpPr>
@@ -17310,10 +18215,13 @@
               <a:buNone/>
             </a:pPr>
             <a:r>
-              <a:rPr lang="pt-BR"/>
-              <a:t>UniSenac campus Pelotas</a:t>
+              <a:rPr lang="pt-BR" dirty="0" err="1"/>
+              <a:t>UniSenac</a:t>
             </a:r>
-            <a:endParaRPr/>
+            <a:r>
+              <a:rPr lang="pt-BR" dirty="0"/>
+              <a:t> campus Pelotas</a:t>
+            </a:r>
           </a:p>
           <a:p>
             <a:pPr marL="0" lvl="0" indent="0" algn="ctr" rtl="0">
@@ -17333,10 +18241,9 @@
               <a:buNone/>
             </a:pPr>
             <a:r>
-              <a:rPr lang="pt-BR"/>
-              <a:t>Nome do aluno</a:t>
+              <a:rPr lang="pt-BR" dirty="0"/>
+              <a:t>Bernardo, Bryan, Eduarda, Valdemar e Yan</a:t>
             </a:r>
-            <a:endParaRPr/>
           </a:p>
           <a:p>
             <a:pPr marL="0" lvl="0" indent="0" algn="ctr" rtl="0">
@@ -17355,11 +18262,16 @@
               <a:buSzPts val="3200"/>
               <a:buNone/>
             </a:pPr>
-            <a:endParaRPr/>
+            <a:endParaRPr lang="pt-BR" dirty="0"/>
           </a:p>
         </p:txBody>
       </p:sp>
     </p:spTree>
+    <p:extLst>
+      <p:ext uri="{BB962C8B-B14F-4D97-AF65-F5344CB8AC3E}">
+        <p14:creationId xmlns:p14="http://schemas.microsoft.com/office/powerpoint/2010/main" val="2525567753"/>
+      </p:ext>
+    </p:extLst>
   </p:cSld>
   <p:clrMapOvr>
     <a:masterClrMapping/>
@@ -17427,7 +18339,7 @@
               <a:buNone/>
             </a:pPr>
             <a:r>
-              <a:rPr lang="pt-BR" dirty="0" smtClean="0"/>
+              <a:rPr lang="pt-BR" dirty="0"/>
               <a:t>Sumário</a:t>
             </a:r>
             <a:endParaRPr/>
@@ -17477,7 +18389,7 @@
               <a:buChar char="❑"/>
             </a:pPr>
             <a:r>
-              <a:rPr lang="pt-BR" dirty="0" smtClean="0"/>
+              <a:rPr lang="pt-BR" dirty="0"/>
               <a:t>Introdução</a:t>
             </a:r>
           </a:p>
@@ -17496,7 +18408,7 @@
               <a:buChar char="❑"/>
             </a:pPr>
             <a:r>
-              <a:rPr lang="pt-BR" dirty="0" smtClean="0"/>
+              <a:rPr lang="pt-BR" dirty="0"/>
               <a:t>Levantamento de Requisitos</a:t>
             </a:r>
           </a:p>
@@ -17508,7 +18420,7 @@
               <a:buSzPts val="3200"/>
             </a:pPr>
             <a:r>
-              <a:rPr lang="pt-BR" dirty="0" smtClean="0"/>
+              <a:rPr lang="pt-BR" dirty="0"/>
               <a:t>Funcionais</a:t>
             </a:r>
           </a:p>
@@ -17520,7 +18432,7 @@
               <a:buSzPts val="3200"/>
             </a:pPr>
             <a:r>
-              <a:rPr lang="pt-BR" dirty="0" smtClean="0"/>
+              <a:rPr lang="pt-BR" dirty="0"/>
               <a:t>Não Funcionais</a:t>
             </a:r>
           </a:p>
@@ -17539,7 +18451,7 @@
               <a:buChar char="❑"/>
             </a:pPr>
             <a:r>
-              <a:rPr lang="pt-BR" dirty="0" smtClean="0"/>
+              <a:rPr lang="pt-BR" dirty="0"/>
               <a:t>Casos de Uso</a:t>
             </a:r>
           </a:p>
@@ -17558,10 +18470,10 @@
               <a:buChar char="❑"/>
             </a:pPr>
             <a:r>
-              <a:rPr lang="pt-BR" dirty="0" err="1" smtClean="0"/>
+              <a:rPr lang="pt-BR" dirty="0" err="1"/>
               <a:t>Prototipação</a:t>
             </a:r>
-            <a:endParaRPr lang="pt-BR" dirty="0" smtClean="0"/>
+            <a:endParaRPr lang="pt-BR" dirty="0"/>
           </a:p>
           <a:p>
             <a:pPr marL="457200" lvl="0" indent="-431800" algn="just" rtl="0">
@@ -17578,7 +18490,7 @@
               <a:buChar char="❑"/>
             </a:pPr>
             <a:r>
-              <a:rPr lang="pt-BR" dirty="0" smtClean="0"/>
+              <a:rPr lang="pt-BR" dirty="0"/>
               <a:t>Projeto</a:t>
             </a:r>
           </a:p>
@@ -17597,10 +18509,9 @@
               <a:buChar char="❑"/>
             </a:pPr>
             <a:r>
-              <a:rPr lang="pt-BR" dirty="0" smtClean="0"/>
+              <a:rPr lang="pt-BR" dirty="0"/>
               <a:t>Demonstração</a:t>
             </a:r>
-            <a:endParaRPr lang="pt-BR" dirty="0" smtClean="0"/>
           </a:p>
           <a:p>
             <a:pPr marL="457200" lvl="0" indent="-431800" algn="just" rtl="0">
@@ -17616,7 +18527,7 @@
               <a:buSzPts val="3200"/>
               <a:buChar char="❑"/>
             </a:pPr>
-            <a:endParaRPr/>
+            <a:endParaRPr dirty="0"/>
           </a:p>
         </p:txBody>
       </p:sp>
@@ -17737,7 +18648,65 @@
               <a:buSzPts val="3200"/>
               <a:buChar char="❑"/>
             </a:pPr>
-            <a:endParaRPr/>
+            <a:r>
+              <a:rPr lang="pt-BR" dirty="0"/>
+              <a:t>Objetivo: Vender produtos online para aumentar seu faturamento.</a:t>
+            </a:r>
+          </a:p>
+          <a:p>
+            <a:pPr marL="457200" lvl="0" indent="-431800" algn="just" rtl="0">
+              <a:lnSpc>
+                <a:spcPct val="100000"/>
+              </a:lnSpc>
+              <a:spcBef>
+                <a:spcPts val="640"/>
+              </a:spcBef>
+              <a:spcAft>
+                <a:spcPts val="0"/>
+              </a:spcAft>
+              <a:buSzPts val="3200"/>
+              <a:buChar char="❑"/>
+            </a:pPr>
+            <a:r>
+              <a:rPr lang="pt-BR" dirty="0"/>
+              <a:t>Metas: Atingir mais clientes e promover a marca.</a:t>
+            </a:r>
+          </a:p>
+          <a:p>
+            <a:pPr marL="457200" lvl="0" indent="-431800" algn="just" rtl="0">
+              <a:lnSpc>
+                <a:spcPct val="100000"/>
+              </a:lnSpc>
+              <a:spcBef>
+                <a:spcPts val="640"/>
+              </a:spcBef>
+              <a:spcAft>
+                <a:spcPts val="0"/>
+              </a:spcAft>
+              <a:buSzPts val="3200"/>
+              <a:buChar char="❑"/>
+            </a:pPr>
+            <a:r>
+              <a:rPr lang="pt-BR" dirty="0"/>
+              <a:t>Público-alvo: Praticantes de esportes, atletas e público em geral.</a:t>
+            </a:r>
+            <a:endParaRPr lang="en-US" dirty="0"/>
+          </a:p>
+          <a:p>
+            <a:pPr marL="457200" lvl="0" indent="-431800" algn="just" rtl="0">
+              <a:lnSpc>
+                <a:spcPct val="100000"/>
+              </a:lnSpc>
+              <a:spcBef>
+                <a:spcPts val="640"/>
+              </a:spcBef>
+              <a:spcAft>
+                <a:spcPts val="0"/>
+              </a:spcAft>
+              <a:buSzPts val="3200"/>
+              <a:buChar char="❑"/>
+            </a:pPr>
+            <a:endParaRPr dirty="0"/>
           </a:p>
         </p:txBody>
       </p:sp>
@@ -17858,7 +18827,45 @@
               <a:buSzPts val="3200"/>
               <a:buChar char="❑"/>
             </a:pPr>
-            <a:endParaRPr/>
+            <a:r>
+              <a:rPr lang="pt-BR" dirty="0"/>
+              <a:t>Técnicas utilizadas: Entrevista e observação.</a:t>
+            </a:r>
+          </a:p>
+          <a:p>
+            <a:pPr marL="457200" lvl="0" indent="-431800" algn="just" rtl="0">
+              <a:lnSpc>
+                <a:spcPct val="100000"/>
+              </a:lnSpc>
+              <a:spcBef>
+                <a:spcPts val="0"/>
+              </a:spcBef>
+              <a:spcAft>
+                <a:spcPts val="0"/>
+              </a:spcAft>
+              <a:buSzPts val="3200"/>
+              <a:buChar char="❑"/>
+            </a:pPr>
+            <a:r>
+              <a:rPr lang="pt-BR" dirty="0"/>
+              <a:t>Método: Observação do negócio seguida de entrevista com o proprietário.</a:t>
+            </a:r>
+          </a:p>
+          <a:p>
+            <a:pPr marL="457200" lvl="0" indent="-431800" algn="just" rtl="0">
+              <a:lnSpc>
+                <a:spcPct val="100000"/>
+              </a:lnSpc>
+              <a:spcBef>
+                <a:spcPts val="0"/>
+              </a:spcBef>
+              <a:spcAft>
+                <a:spcPts val="0"/>
+              </a:spcAft>
+              <a:buSzPts val="3200"/>
+              <a:buChar char="❑"/>
+            </a:pPr>
+            <a:endParaRPr dirty="0"/>
           </a:p>
         </p:txBody>
       </p:sp>
@@ -17912,7 +18919,7 @@
         </p:spPr>
         <p:txBody>
           <a:bodyPr spcFirstLastPara="1" wrap="square" lIns="91425" tIns="45700" rIns="91425" bIns="45700" anchor="ctr" anchorCtr="0">
-            <a:normAutofit fontScale="90000"/>
+            <a:normAutofit/>
           </a:bodyPr>
           <a:lstStyle/>
           <a:p>
@@ -17931,13 +18938,9 @@
             </a:pPr>
             <a:r>
               <a:rPr lang="pt-BR" dirty="0"/>
-              <a:t>Requisitos </a:t>
+              <a:t>Requisitos Funcionais</a:t>
             </a:r>
-            <a:r>
-              <a:rPr lang="pt-BR" dirty="0" smtClean="0"/>
-              <a:t>Funcionais e Não Funcionais</a:t>
-            </a:r>
-            <a:endParaRPr/>
+            <a:endParaRPr dirty="0"/>
           </a:p>
         </p:txBody>
       </p:sp>
@@ -17953,7 +18956,310 @@
         </p:nvSpPr>
         <p:spPr>
           <a:xfrm>
-            <a:off x="457200" y="1340768"/>
+            <a:off x="457200" y="1555257"/>
+            <a:ext cx="8229600" cy="4526100"/>
+          </a:xfrm>
+          <a:prstGeom prst="rect">
+            <a:avLst/>
+          </a:prstGeom>
+          <a:noFill/>
+          <a:ln>
+            <a:noFill/>
+          </a:ln>
+        </p:spPr>
+        <p:txBody>
+          <a:bodyPr spcFirstLastPara="1" wrap="square" lIns="91425" tIns="45700" rIns="91425" bIns="45700" anchor="t" anchorCtr="0">
+            <a:normAutofit fontScale="92500" lnSpcReduction="20000"/>
+          </a:bodyPr>
+          <a:lstStyle/>
+          <a:p>
+            <a:pPr marL="457200" lvl="0" indent="-431800" algn="just" rtl="0">
+              <a:lnSpc>
+                <a:spcPct val="100000"/>
+              </a:lnSpc>
+              <a:spcBef>
+                <a:spcPts val="0"/>
+              </a:spcBef>
+              <a:spcAft>
+                <a:spcPts val="0"/>
+              </a:spcAft>
+              <a:buSzPts val="3200"/>
+              <a:buChar char="❑"/>
+            </a:pPr>
+            <a:r>
+              <a:rPr lang="pt-BR" dirty="0"/>
+              <a:t>[RF 001] Cadastro de produto.</a:t>
+            </a:r>
+          </a:p>
+          <a:p>
+            <a:pPr marL="457200" lvl="0" indent="-431800" algn="just" rtl="0">
+              <a:lnSpc>
+                <a:spcPct val="100000"/>
+              </a:lnSpc>
+              <a:spcBef>
+                <a:spcPts val="0"/>
+              </a:spcBef>
+              <a:spcAft>
+                <a:spcPts val="0"/>
+              </a:spcAft>
+              <a:buSzPts val="3200"/>
+              <a:buChar char="❑"/>
+            </a:pPr>
+            <a:r>
+              <a:rPr lang="pt-BR" dirty="0"/>
+              <a:t>[RF 002] Edição de produto.</a:t>
+            </a:r>
+          </a:p>
+          <a:p>
+            <a:pPr marL="457200" lvl="0" indent="-431800" algn="just" rtl="0">
+              <a:lnSpc>
+                <a:spcPct val="100000"/>
+              </a:lnSpc>
+              <a:spcBef>
+                <a:spcPts val="0"/>
+              </a:spcBef>
+              <a:spcAft>
+                <a:spcPts val="0"/>
+              </a:spcAft>
+              <a:buSzPts val="3200"/>
+              <a:buChar char="❑"/>
+            </a:pPr>
+            <a:r>
+              <a:rPr lang="pt-BR" dirty="0"/>
+              <a:t>[RF 003] Exclusão de produto.</a:t>
+            </a:r>
+          </a:p>
+          <a:p>
+            <a:pPr marL="457200" lvl="0" indent="-431800" algn="just" rtl="0">
+              <a:lnSpc>
+                <a:spcPct val="100000"/>
+              </a:lnSpc>
+              <a:spcBef>
+                <a:spcPts val="0"/>
+              </a:spcBef>
+              <a:spcAft>
+                <a:spcPts val="0"/>
+              </a:spcAft>
+              <a:buSzPts val="3200"/>
+              <a:buChar char="❑"/>
+            </a:pPr>
+            <a:r>
+              <a:rPr lang="pt-BR" dirty="0"/>
+              <a:t>[RF 004] Sistema de pesquisa e filtragem por nome/categoria/descrição.</a:t>
+            </a:r>
+          </a:p>
+          <a:p>
+            <a:pPr marL="457200" lvl="0" indent="-431800" algn="just" rtl="0">
+              <a:lnSpc>
+                <a:spcPct val="100000"/>
+              </a:lnSpc>
+              <a:spcBef>
+                <a:spcPts val="0"/>
+              </a:spcBef>
+              <a:spcAft>
+                <a:spcPts val="0"/>
+              </a:spcAft>
+              <a:buSzPts val="3200"/>
+              <a:buChar char="❑"/>
+            </a:pPr>
+            <a:r>
+              <a:rPr lang="pt-BR" dirty="0"/>
+              <a:t>[RF 005] Sistema de carrinho.</a:t>
+            </a:r>
+          </a:p>
+          <a:p>
+            <a:pPr marL="457200" lvl="0" indent="-431800" algn="just" rtl="0">
+              <a:lnSpc>
+                <a:spcPct val="100000"/>
+              </a:lnSpc>
+              <a:spcBef>
+                <a:spcPts val="0"/>
+              </a:spcBef>
+              <a:spcAft>
+                <a:spcPts val="0"/>
+              </a:spcAft>
+              <a:buSzPts val="3200"/>
+              <a:buChar char="❑"/>
+            </a:pPr>
+            <a:r>
+              <a:rPr lang="pt-BR" dirty="0">
+                <a:solidFill>
+                  <a:srgbClr val="0070C0"/>
+                </a:solidFill>
+              </a:rPr>
+              <a:t>[RF 006-008] </a:t>
+            </a:r>
+            <a:r>
+              <a:rPr lang="pt-BR" i="1" dirty="0">
+                <a:solidFill>
+                  <a:srgbClr val="0070C0"/>
+                </a:solidFill>
+              </a:rPr>
+              <a:t>CRUD</a:t>
+            </a:r>
+            <a:r>
+              <a:rPr lang="pt-BR" dirty="0">
+                <a:solidFill>
+                  <a:srgbClr val="0070C0"/>
+                </a:solidFill>
+              </a:rPr>
+              <a:t> clientes.</a:t>
+            </a:r>
+          </a:p>
+          <a:p>
+            <a:pPr marL="457200" lvl="0" indent="-431800" algn="just" rtl="0">
+              <a:lnSpc>
+                <a:spcPct val="100000"/>
+              </a:lnSpc>
+              <a:spcBef>
+                <a:spcPts val="0"/>
+              </a:spcBef>
+              <a:spcAft>
+                <a:spcPts val="0"/>
+              </a:spcAft>
+              <a:buSzPts val="3200"/>
+              <a:buChar char="❑"/>
+            </a:pPr>
+            <a:r>
+              <a:rPr lang="pt-BR" dirty="0">
+                <a:solidFill>
+                  <a:srgbClr val="0070C0"/>
+                </a:solidFill>
+              </a:rPr>
+              <a:t>[RF 009] Serviço de atendimento ao cliente (SAC).</a:t>
+            </a:r>
+          </a:p>
+          <a:p>
+            <a:pPr marL="457200" lvl="0" indent="-431800" algn="just" rtl="0">
+              <a:lnSpc>
+                <a:spcPct val="100000"/>
+              </a:lnSpc>
+              <a:spcBef>
+                <a:spcPts val="0"/>
+              </a:spcBef>
+              <a:spcAft>
+                <a:spcPts val="0"/>
+              </a:spcAft>
+              <a:buSzPts val="3200"/>
+              <a:buChar char="❑"/>
+            </a:pPr>
+            <a:r>
+              <a:rPr lang="pt-BR" dirty="0">
+                <a:solidFill>
+                  <a:srgbClr val="0070C0"/>
+                </a:solidFill>
+              </a:rPr>
+              <a:t>[RF 010 - 011] Sistema de pagamento, transporte e rastreamento.</a:t>
+            </a:r>
+          </a:p>
+        </p:txBody>
+      </p:sp>
+    </p:spTree>
+  </p:cSld>
+  <p:clrMapOvr>
+    <a:masterClrMapping/>
+  </p:clrMapOvr>
+</p:sld>
+</file>
+
+<file path=ppt/slides/slide6.xml><?xml version="1.0" encoding="utf-8"?>
+<p:sld xmlns:a="http://schemas.openxmlformats.org/drawingml/2006/main" xmlns:r="http://schemas.openxmlformats.org/officeDocument/2006/relationships" xmlns:p="http://schemas.openxmlformats.org/presentationml/2006/main">
+  <p:cSld>
+    <p:spTree>
+      <p:nvGrpSpPr>
+        <p:cNvPr id="1" name="Shape 110">
+          <a:extLst>
+            <a:ext uri="{FF2B5EF4-FFF2-40B4-BE49-F238E27FC236}">
+              <a16:creationId xmlns:a16="http://schemas.microsoft.com/office/drawing/2014/main" id="{02DBAFBD-4F51-6FE6-EA84-D276C1212164}"/>
+            </a:ext>
+          </a:extLst>
+        </p:cNvPr>
+        <p:cNvGrpSpPr/>
+        <p:nvPr/>
+      </p:nvGrpSpPr>
+      <p:grpSpPr>
+        <a:xfrm>
+          <a:off x="0" y="0"/>
+          <a:ext cx="0" cy="0"/>
+          <a:chOff x="0" y="0"/>
+          <a:chExt cx="0" cy="0"/>
+        </a:xfrm>
+      </p:grpSpPr>
+      <p:sp>
+        <p:nvSpPr>
+          <p:cNvPr id="111" name="Google Shape;111;g2d4445bff6b_0_0">
+            <a:extLst>
+              <a:ext uri="{FF2B5EF4-FFF2-40B4-BE49-F238E27FC236}">
+                <a16:creationId xmlns:a16="http://schemas.microsoft.com/office/drawing/2014/main" id="{D2513E05-0253-2500-A4CB-6BD76075AC98}"/>
+              </a:ext>
+            </a:extLst>
+          </p:cNvPr>
+          <p:cNvSpPr txBox="1">
+            <a:spLocks noGrp="1"/>
+          </p:cNvSpPr>
+          <p:nvPr>
+            <p:ph type="title"/>
+          </p:nvPr>
+        </p:nvSpPr>
+        <p:spPr>
+          <a:xfrm>
+            <a:off x="467544" y="0"/>
+            <a:ext cx="8229600" cy="1143000"/>
+          </a:xfrm>
+          <a:prstGeom prst="rect">
+            <a:avLst/>
+          </a:prstGeom>
+          <a:noFill/>
+          <a:ln>
+            <a:noFill/>
+          </a:ln>
+        </p:spPr>
+        <p:txBody>
+          <a:bodyPr spcFirstLastPara="1" wrap="square" lIns="91425" tIns="45700" rIns="91425" bIns="45700" anchor="ctr" anchorCtr="0">
+            <a:normAutofit/>
+          </a:bodyPr>
+          <a:lstStyle/>
+          <a:p>
+            <a:pPr marL="0" lvl="0" indent="0" algn="ctr" rtl="0">
+              <a:lnSpc>
+                <a:spcPct val="100000"/>
+              </a:lnSpc>
+              <a:spcBef>
+                <a:spcPts val="0"/>
+              </a:spcBef>
+              <a:spcAft>
+                <a:spcPts val="0"/>
+              </a:spcAft>
+              <a:buSzPts val="4400"/>
+              <a:buNone/>
+            </a:pPr>
+            <a:r>
+              <a:rPr lang="pt-BR" dirty="0"/>
+              <a:t>Requisitos Não Funcionais</a:t>
+            </a:r>
+            <a:endParaRPr dirty="0"/>
+          </a:p>
+        </p:txBody>
+      </p:sp>
+      <p:sp>
+        <p:nvSpPr>
+          <p:cNvPr id="112" name="Google Shape;112;g2d4445bff6b_0_0">
+            <a:extLst>
+              <a:ext uri="{FF2B5EF4-FFF2-40B4-BE49-F238E27FC236}">
+                <a16:creationId xmlns:a16="http://schemas.microsoft.com/office/drawing/2014/main" id="{292E9882-9EF9-5B75-8C77-F48C535D5BFB}"/>
+              </a:ext>
+            </a:extLst>
+          </p:cNvPr>
+          <p:cNvSpPr txBox="1">
+            <a:spLocks noGrp="1"/>
+          </p:cNvSpPr>
+          <p:nvPr>
+            <p:ph type="body" idx="1"/>
+          </p:nvPr>
+        </p:nvSpPr>
+        <p:spPr>
+          <a:xfrm>
+            <a:off x="457200" y="1555257"/>
             <a:ext cx="8229600" cy="4526100"/>
           </a:xfrm>
           <a:prstGeom prst="rect">
@@ -17983,11 +19289,161 @@
               <a:buSzPts val="3200"/>
               <a:buChar char="❑"/>
             </a:pPr>
-            <a:endParaRPr/>
+            <a:r>
+              <a:rPr lang="pt-BR" dirty="0"/>
+              <a:t>[RNF 001] O sistema deve ser adequado à LGPD.</a:t>
+            </a:r>
+          </a:p>
+          <a:p>
+            <a:pPr marL="457200" lvl="0" indent="-431800" algn="just" rtl="0">
+              <a:lnSpc>
+                <a:spcPct val="100000"/>
+              </a:lnSpc>
+              <a:spcBef>
+                <a:spcPts val="0"/>
+              </a:spcBef>
+              <a:spcAft>
+                <a:spcPts val="0"/>
+              </a:spcAft>
+              <a:buSzPts val="3200"/>
+              <a:buChar char="❑"/>
+            </a:pPr>
+            <a:r>
+              <a:rPr lang="pt-BR" dirty="0"/>
+              <a:t>[RNF 002] O sistema deve ser responsivo.</a:t>
+            </a:r>
+          </a:p>
+          <a:p>
+            <a:pPr marL="457200" lvl="0" indent="-431800" algn="just" rtl="0">
+              <a:lnSpc>
+                <a:spcPct val="100000"/>
+              </a:lnSpc>
+              <a:spcBef>
+                <a:spcPts val="0"/>
+              </a:spcBef>
+              <a:spcAft>
+                <a:spcPts val="0"/>
+              </a:spcAft>
+              <a:buSzPts val="3200"/>
+              <a:buChar char="❑"/>
+            </a:pPr>
+            <a:r>
+              <a:rPr lang="pt-BR" dirty="0"/>
+              <a:t>[RNF 003] O sistema deve ser intuitivo. </a:t>
+            </a:r>
+          </a:p>
+          <a:p>
+            <a:pPr marL="457200" lvl="0" indent="-431800" algn="just" rtl="0">
+              <a:lnSpc>
+                <a:spcPct val="100000"/>
+              </a:lnSpc>
+              <a:spcBef>
+                <a:spcPts val="0"/>
+              </a:spcBef>
+              <a:spcAft>
+                <a:spcPts val="0"/>
+              </a:spcAft>
+              <a:buSzPts val="3200"/>
+              <a:buChar char="❑"/>
+            </a:pPr>
+            <a:r>
+              <a:rPr lang="pt-BR" dirty="0"/>
+              <a:t>[RNF 004] O sistema deve ser otimizado. </a:t>
+            </a:r>
+          </a:p>
+          <a:p>
+            <a:pPr marL="457200" lvl="0" indent="-431800" algn="just" rtl="0">
+              <a:lnSpc>
+                <a:spcPct val="100000"/>
+              </a:lnSpc>
+              <a:spcBef>
+                <a:spcPts val="0"/>
+              </a:spcBef>
+              <a:spcAft>
+                <a:spcPts val="0"/>
+              </a:spcAft>
+              <a:buSzPts val="3200"/>
+              <a:buChar char="❑"/>
+            </a:pPr>
+            <a:r>
+              <a:rPr lang="pt-BR" dirty="0">
+                <a:solidFill>
+                  <a:srgbClr val="0070C0"/>
+                </a:solidFill>
+              </a:rPr>
+              <a:t>[RNF 005] Modo noturno. </a:t>
+            </a:r>
+          </a:p>
+          <a:p>
+            <a:pPr marL="457200" lvl="0" indent="-431800" algn="just" rtl="0">
+              <a:lnSpc>
+                <a:spcPct val="100000"/>
+              </a:lnSpc>
+              <a:spcBef>
+                <a:spcPts val="0"/>
+              </a:spcBef>
+              <a:spcAft>
+                <a:spcPts val="0"/>
+              </a:spcAft>
+              <a:buSzPts val="3200"/>
+              <a:buChar char="❑"/>
+            </a:pPr>
+            <a:r>
+              <a:rPr lang="pt-BR" dirty="0">
+                <a:solidFill>
+                  <a:srgbClr val="0070C0"/>
+                </a:solidFill>
+              </a:rPr>
+              <a:t>[RNF 006] </a:t>
+            </a:r>
+            <a:r>
+              <a:rPr lang="pt-BR" i="1" dirty="0" err="1">
+                <a:solidFill>
+                  <a:srgbClr val="0070C0"/>
+                </a:solidFill>
+              </a:rPr>
+              <a:t>ChatBot</a:t>
+            </a:r>
+            <a:r>
+              <a:rPr lang="pt-BR" dirty="0">
+                <a:solidFill>
+                  <a:srgbClr val="0070C0"/>
+                </a:solidFill>
+              </a:rPr>
+              <a:t>. </a:t>
+            </a:r>
+          </a:p>
+          <a:p>
+            <a:pPr marL="457200" lvl="0" indent="-431800" algn="just" rtl="0">
+              <a:lnSpc>
+                <a:spcPct val="100000"/>
+              </a:lnSpc>
+              <a:spcBef>
+                <a:spcPts val="0"/>
+              </a:spcBef>
+              <a:spcAft>
+                <a:spcPts val="0"/>
+              </a:spcAft>
+              <a:buSzPts val="3200"/>
+              <a:buChar char="❑"/>
+            </a:pPr>
+            <a:r>
+              <a:rPr lang="pt-BR" dirty="0">
+                <a:solidFill>
+                  <a:srgbClr val="0070C0"/>
+                </a:solidFill>
+              </a:rPr>
+              <a:t>[RNF 007] O aplicativo deve estar disponível para Android e iOS.</a:t>
+            </a:r>
           </a:p>
         </p:txBody>
       </p:sp>
     </p:spTree>
+    <p:extLst>
+      <p:ext uri="{BB962C8B-B14F-4D97-AF65-F5344CB8AC3E}">
+        <p14:creationId xmlns:p14="http://schemas.microsoft.com/office/powerpoint/2010/main" val="1735628236"/>
+      </p:ext>
+    </p:extLst>
   </p:cSld>
   <p:clrMapOvr>
     <a:masterClrMapping/>
@@ -17995,7 +19451,7 @@
 </p:sld>
 </file>
 
-<file path=ppt/slides/slide6.xml><?xml version="1.0" encoding="utf-8"?>
+<file path=ppt/slides/slide7.xml><?xml version="1.0" encoding="utf-8"?>
 <p:sld xmlns:a="http://schemas.openxmlformats.org/drawingml/2006/main" xmlns:r="http://schemas.openxmlformats.org/officeDocument/2006/relationships" xmlns:p="http://schemas.openxmlformats.org/presentationml/2006/main">
   <p:cSld>
     <p:spTree>
@@ -18108,6 +19564,36 @@
           </a:p>
         </p:txBody>
       </p:sp>
+      <p:pic>
+        <p:nvPicPr>
+          <p:cNvPr id="2" name="Imagem 5">
+            <a:extLst>
+              <a:ext uri="{FF2B5EF4-FFF2-40B4-BE49-F238E27FC236}">
+                <a16:creationId xmlns:a16="http://schemas.microsoft.com/office/drawing/2014/main" id="{ED595EA1-DF24-D583-3719-B5EAE8573D25}"/>
+              </a:ext>
+            </a:extLst>
+          </p:cNvPr>
+          <p:cNvPicPr>
+            <a:picLocks noChangeAspect="1"/>
+          </p:cNvPicPr>
+          <p:nvPr/>
+        </p:nvPicPr>
+        <p:blipFill>
+          <a:blip r:embed="rId3"/>
+          <a:stretch>
+            <a:fillRect/>
+          </a:stretch>
+        </p:blipFill>
+        <p:spPr>
+          <a:xfrm>
+            <a:off x="135590" y="1467555"/>
+            <a:ext cx="8872819" cy="4220906"/>
+          </a:xfrm>
+          <a:prstGeom prst="rect">
+            <a:avLst/>
+          </a:prstGeom>
+        </p:spPr>
+      </p:pic>
     </p:spTree>
   </p:cSld>
   <p:clrMapOvr>
@@ -18116,7 +19602,7 @@
 </p:sld>
 </file>
 
-<file path=ppt/slides/slide7.xml><?xml version="1.0" encoding="utf-8"?>
+<file path=ppt/slides/slide8.xml><?xml version="1.0" encoding="utf-8"?>
 <p:sld xmlns:a="http://schemas.openxmlformats.org/drawingml/2006/main" xmlns:r="http://schemas.openxmlformats.org/officeDocument/2006/relationships" xmlns:p="http://schemas.openxmlformats.org/presentationml/2006/main">
   <p:cSld>
     <p:spTree>
@@ -18149,7 +19635,7 @@
           <a:lstStyle/>
           <a:p>
             <a:r>
-              <a:rPr lang="pt-BR" dirty="0" err="1" smtClean="0"/>
+              <a:rPr lang="pt-BR" dirty="0" err="1"/>
               <a:t>Prototipação</a:t>
             </a:r>
             <a:endParaRPr lang="pt-BR" dirty="0"/>
@@ -18175,6 +19661,36 @@
           </a:p>
         </p:txBody>
       </p:sp>
+      <p:pic>
+        <p:nvPicPr>
+          <p:cNvPr id="5" name="Picture 4">
+            <a:extLst>
+              <a:ext uri="{FF2B5EF4-FFF2-40B4-BE49-F238E27FC236}">
+                <a16:creationId xmlns:a16="http://schemas.microsoft.com/office/drawing/2014/main" id="{9891AFBE-4F26-789B-38FD-1C841BC0908D}"/>
+              </a:ext>
+            </a:extLst>
+          </p:cNvPr>
+          <p:cNvPicPr>
+            <a:picLocks noChangeAspect="1"/>
+          </p:cNvPicPr>
+          <p:nvPr/>
+        </p:nvPicPr>
+        <p:blipFill>
+          <a:blip r:embed="rId2"/>
+          <a:stretch>
+            <a:fillRect/>
+          </a:stretch>
+        </p:blipFill>
+        <p:spPr>
+          <a:xfrm>
+            <a:off x="750711" y="1340768"/>
+            <a:ext cx="7936089" cy="4714865"/>
+          </a:xfrm>
+          <a:prstGeom prst="rect">
+            <a:avLst/>
+          </a:prstGeom>
+        </p:spPr>
+      </p:pic>
     </p:spTree>
   </p:cSld>
   <p:clrMapOvr>
@@ -18183,12 +19699,18 @@
 </p:sld>
 </file>
 
-<file path=ppt/slides/slide8.xml><?xml version="1.0" encoding="utf-8"?>
+<file path=ppt/slides/slide9.xml><?xml version="1.0" encoding="utf-8"?>
 <p:sld xmlns:a="http://schemas.openxmlformats.org/drawingml/2006/main" xmlns:r="http://schemas.openxmlformats.org/officeDocument/2006/relationships" xmlns:p="http://schemas.openxmlformats.org/presentationml/2006/main">
   <p:cSld>
     <p:spTree>
       <p:nvGrpSpPr>
-        <p:cNvPr id="1" name="Shape 131"/>
+        <p:cNvPr id="1" name="">
+          <a:extLst>
+            <a:ext uri="{FF2B5EF4-FFF2-40B4-BE49-F238E27FC236}">
+              <a16:creationId xmlns:a16="http://schemas.microsoft.com/office/drawing/2014/main" id="{C922DF6B-A93E-09DD-F5D2-63AB21A9C485}"/>
+            </a:ext>
+          </a:extLst>
+        </p:cNvPr>
         <p:cNvGrpSpPr/>
         <p:nvPr/>
       </p:nvGrpSpPr>
@@ -18202,180 +19724,94 @@
       </p:grpSpPr>
       <p:sp>
         <p:nvSpPr>
-          <p:cNvPr id="132" name="Google Shape;132;g2d4445bff6b_0_23"/>
-          <p:cNvSpPr txBox="1">
+          <p:cNvPr id="2" name="Título 1">
+            <a:extLst>
+              <a:ext uri="{FF2B5EF4-FFF2-40B4-BE49-F238E27FC236}">
+                <a16:creationId xmlns:a16="http://schemas.microsoft.com/office/drawing/2014/main" id="{FD8B23BA-AA75-89E9-96F4-C8A14D31A9A1}"/>
+              </a:ext>
+            </a:extLst>
+          </p:cNvPr>
+          <p:cNvSpPr>
             <a:spLocks noGrp="1"/>
           </p:cNvSpPr>
           <p:nvPr>
             <p:ph type="title"/>
           </p:nvPr>
         </p:nvSpPr>
-        <p:spPr>
-          <a:xfrm>
-            <a:off x="467544" y="0"/>
-            <a:ext cx="8229600" cy="1143000"/>
-          </a:xfrm>
-          <a:prstGeom prst="rect">
-            <a:avLst/>
-          </a:prstGeom>
-          <a:noFill/>
-          <a:ln>
-            <a:noFill/>
-          </a:ln>
-        </p:spPr>
+        <p:spPr/>
         <p:txBody>
-          <a:bodyPr spcFirstLastPara="1" wrap="square" lIns="91425" tIns="45700" rIns="91425" bIns="45700" anchor="ctr" anchorCtr="0">
-            <a:normAutofit/>
-          </a:bodyPr>
+          <a:bodyPr/>
           <a:lstStyle/>
           <a:p>
-            <a:pPr marL="0" lvl="0" indent="0" algn="ctr" rtl="0">
-              <a:lnSpc>
-                <a:spcPct val="100000"/>
-              </a:lnSpc>
-              <a:spcBef>
-                <a:spcPts val="0"/>
-              </a:spcBef>
-              <a:spcAft>
-                <a:spcPts val="0"/>
-              </a:spcAft>
-              <a:buSzPts val="4400"/>
-              <a:buNone/>
-            </a:pPr>
             <a:r>
-              <a:rPr lang="pt-BR"/>
-              <a:t>Projeto</a:t>
+              <a:rPr lang="pt-BR" dirty="0" err="1"/>
+              <a:t>Prototipação</a:t>
             </a:r>
-            <a:endParaRPr/>
+            <a:endParaRPr lang="pt-BR" dirty="0"/>
           </a:p>
         </p:txBody>
       </p:sp>
       <p:sp>
         <p:nvSpPr>
-          <p:cNvPr id="133" name="Google Shape;133;g2d4445bff6b_0_23"/>
-          <p:cNvSpPr txBox="1">
+          <p:cNvPr id="3" name="Espaço Reservado para Texto 2">
+            <a:extLst>
+              <a:ext uri="{FF2B5EF4-FFF2-40B4-BE49-F238E27FC236}">
+                <a16:creationId xmlns:a16="http://schemas.microsoft.com/office/drawing/2014/main" id="{07432867-F312-6812-56F8-13C725645A17}"/>
+              </a:ext>
+            </a:extLst>
+          </p:cNvPr>
+          <p:cNvSpPr>
             <a:spLocks noGrp="1"/>
           </p:cNvSpPr>
           <p:nvPr>
             <p:ph type="body" idx="1"/>
           </p:nvPr>
         </p:nvSpPr>
+        <p:spPr/>
+        <p:txBody>
+          <a:bodyPr/>
+          <a:lstStyle/>
+          <a:p>
+            <a:endParaRPr lang="pt-BR"/>
+          </a:p>
+        </p:txBody>
+      </p:sp>
+      <p:pic>
+        <p:nvPicPr>
+          <p:cNvPr id="6" name="Picture 5">
+            <a:extLst>
+              <a:ext uri="{FF2B5EF4-FFF2-40B4-BE49-F238E27FC236}">
+                <a16:creationId xmlns:a16="http://schemas.microsoft.com/office/drawing/2014/main" id="{02E9C159-64CB-E3DB-45D6-A276ABF028BB}"/>
+              </a:ext>
+            </a:extLst>
+          </p:cNvPr>
+          <p:cNvPicPr>
+            <a:picLocks noChangeAspect="1"/>
+          </p:cNvPicPr>
+          <p:nvPr/>
+        </p:nvPicPr>
+        <p:blipFill>
+          <a:blip r:embed="rId2"/>
+          <a:stretch>
+            <a:fillRect/>
+          </a:stretch>
+        </p:blipFill>
         <p:spPr>
           <a:xfrm>
-            <a:off x="457200" y="1340768"/>
-            <a:ext cx="8229600" cy="4526100"/>
+            <a:off x="2045029" y="1340768"/>
+            <a:ext cx="5053941" cy="4605192"/>
           </a:xfrm>
           <a:prstGeom prst="rect">
             <a:avLst/>
           </a:prstGeom>
-          <a:noFill/>
-          <a:ln>
-            <a:noFill/>
-          </a:ln>
         </p:spPr>
-        <p:txBody>
-          <a:bodyPr spcFirstLastPara="1" wrap="square" lIns="91425" tIns="45700" rIns="91425" bIns="45700" anchor="t" anchorCtr="0">
-            <a:normAutofit/>
-          </a:bodyPr>
-          <a:lstStyle/>
-          <a:p>
-            <a:pPr marL="457200" lvl="0" indent="-431800" algn="just" rtl="0">
-              <a:lnSpc>
-                <a:spcPct val="100000"/>
-              </a:lnSpc>
-              <a:spcBef>
-                <a:spcPts val="0"/>
-              </a:spcBef>
-              <a:spcAft>
-                <a:spcPts val="0"/>
-              </a:spcAft>
-              <a:buSzPts val="3200"/>
-              <a:buChar char="❑"/>
-            </a:pPr>
-            <a:endParaRPr/>
-          </a:p>
-        </p:txBody>
-      </p:sp>
+      </p:pic>
     </p:spTree>
-  </p:cSld>
-  <p:clrMapOvr>
-    <a:masterClrMapping/>
-  </p:clrMapOvr>
-</p:sld>
-</file>
-
-<file path=ppt/slides/slide9.xml><?xml version="1.0" encoding="utf-8"?>
-<p:sld xmlns:a="http://schemas.openxmlformats.org/drawingml/2006/main" xmlns:r="http://schemas.openxmlformats.org/officeDocument/2006/relationships" xmlns:p="http://schemas.openxmlformats.org/presentationml/2006/main">
-  <p:cSld>
-    <p:spTree>
-      <p:nvGrpSpPr>
-        <p:cNvPr id="1" name="Shape 144"/>
-        <p:cNvGrpSpPr/>
-        <p:nvPr/>
-      </p:nvGrpSpPr>
-      <p:grpSpPr>
-        <a:xfrm>
-          <a:off x="0" y="0"/>
-          <a:ext cx="0" cy="0"/>
-          <a:chOff x="0" y="0"/>
-          <a:chExt cx="0" cy="0"/>
-        </a:xfrm>
-      </p:grpSpPr>
-      <p:sp>
-        <p:nvSpPr>
-          <p:cNvPr id="145" name="Google Shape;145;g2d4445bff6b_0_6"/>
-          <p:cNvSpPr txBox="1">
-            <a:spLocks noGrp="1"/>
-          </p:cNvSpPr>
-          <p:nvPr>
-            <p:ph type="ctrTitle"/>
-          </p:nvPr>
-        </p:nvSpPr>
-        <p:spPr>
-          <a:xfrm>
-            <a:off x="742950" y="2816225"/>
-            <a:ext cx="7772400" cy="1470000"/>
-          </a:xfrm>
-          <a:prstGeom prst="rect">
-            <a:avLst/>
-          </a:prstGeom>
-          <a:noFill/>
-          <a:ln>
-            <a:noFill/>
-          </a:ln>
-        </p:spPr>
-        <p:txBody>
-          <a:bodyPr spcFirstLastPara="1" wrap="square" lIns="91425" tIns="45700" rIns="91425" bIns="45700" anchor="ctr" anchorCtr="0">
-            <a:normAutofit/>
-          </a:bodyPr>
-          <a:lstStyle/>
-          <a:p>
-            <a:pPr marL="0" lvl="0" indent="0" algn="ctr" rtl="0">
-              <a:lnSpc>
-                <a:spcPct val="100000"/>
-              </a:lnSpc>
-              <a:spcBef>
-                <a:spcPts val="0"/>
-              </a:spcBef>
-              <a:spcAft>
-                <a:spcPts val="0"/>
-              </a:spcAft>
-              <a:buClr>
-                <a:schemeClr val="dk2"/>
-              </a:buClr>
-              <a:buSzPts val="4400"/>
-              <a:buFont typeface="Calibri"/>
-              <a:buNone/>
-            </a:pPr>
-            <a:r>
-              <a:rPr lang="pt-BR" b="1" dirty="0" smtClean="0"/>
-              <a:t>Demonstração</a:t>
-            </a:r>
-            <a:endParaRPr sz="3700" b="1"/>
-          </a:p>
-        </p:txBody>
-      </p:sp>
-    </p:spTree>
+    <p:extLst>
+      <p:ext uri="{BB962C8B-B14F-4D97-AF65-F5344CB8AC3E}">
+        <p14:creationId xmlns:p14="http://schemas.microsoft.com/office/powerpoint/2010/main" val="2164765645"/>
+      </p:ext>
+    </p:extLst>
   </p:cSld>
   <p:clrMapOvr>
     <a:masterClrMapping/>
